--- a/2023_review2/CAR SHOW ROOM.pptx
+++ b/2023_review2/CAR SHOW ROOM.pptx
@@ -5,23 +5,23 @@
     <p:sldMasterId id="2147483648" r:id="rId1"/>
   </p:sldMasterIdLst>
   <p:sldIdLst>
-    <p:sldId id="256" r:id="rId3"/>
-    <p:sldId id="257" r:id="rId4"/>
-    <p:sldId id="258" r:id="rId5"/>
-    <p:sldId id="259" r:id="rId6"/>
-    <p:sldId id="260" r:id="rId7"/>
-    <p:sldId id="261" r:id="rId8"/>
-    <p:sldId id="262" r:id="rId9"/>
-    <p:sldId id="263" r:id="rId10"/>
-    <p:sldId id="267" r:id="rId11"/>
-    <p:sldId id="264" r:id="rId12"/>
-    <p:sldId id="265" r:id="rId13"/>
-    <p:sldId id="271" r:id="rId14"/>
-    <p:sldId id="272" r:id="rId15"/>
-    <p:sldId id="273" r:id="rId16"/>
-    <p:sldId id="274" r:id="rId17"/>
-    <p:sldId id="275" r:id="rId18"/>
-    <p:sldId id="266" r:id="rId19"/>
+    <p:sldId id="256" r:id="rId2"/>
+    <p:sldId id="257" r:id="rId3"/>
+    <p:sldId id="258" r:id="rId4"/>
+    <p:sldId id="259" r:id="rId5"/>
+    <p:sldId id="260" r:id="rId6"/>
+    <p:sldId id="261" r:id="rId7"/>
+    <p:sldId id="262" r:id="rId8"/>
+    <p:sldId id="263" r:id="rId9"/>
+    <p:sldId id="267" r:id="rId10"/>
+    <p:sldId id="264" r:id="rId11"/>
+    <p:sldId id="265" r:id="rId12"/>
+    <p:sldId id="271" r:id="rId13"/>
+    <p:sldId id="272" r:id="rId14"/>
+    <p:sldId id="273" r:id="rId15"/>
+    <p:sldId id="274" r:id="rId16"/>
+    <p:sldId id="275" r:id="rId17"/>
+    <p:sldId id="266" r:id="rId18"/>
   </p:sldIdLst>
   <p:sldSz cx="12192000" cy="6858000"/>
   <p:notesSz cx="6858000" cy="9144000"/>
@@ -309,6 +309,7 @@
           <a:p>
             <a:fld id="{1C6E12D2-DA3A-480B-BCDF-BFB6C7EBE402}" type="datetimeFigureOut">
               <a:rPr lang="en-US" smtClean="0"/>
+              <a:t>3/26/2023</a:t>
             </a:fld>
             <a:endParaRPr lang="en-US"/>
           </a:p>
@@ -350,6 +351,7 @@
           <a:p>
             <a:fld id="{F1BBC3DF-4D3E-4D62-AC24-223E50BCC8DF}" type="slidenum">
               <a:rPr lang="en-US" smtClean="0"/>
+              <a:t>‹#›</a:t>
             </a:fld>
             <a:endParaRPr lang="en-US"/>
           </a:p>
@@ -557,7 +559,6 @@
               <a:rPr lang="en-US"/>
               <a:t>Click to edit Master text styles</a:t>
             </a:r>
-            <a:endParaRPr lang="en-US"/>
           </a:p>
         </p:txBody>
       </p:sp>
@@ -578,6 +579,7 @@
           <a:p>
             <a:fld id="{1C6E12D2-DA3A-480B-BCDF-BFB6C7EBE402}" type="datetimeFigureOut">
               <a:rPr lang="en-US" smtClean="0"/>
+              <a:t>3/26/2023</a:t>
             </a:fld>
             <a:endParaRPr lang="en-US"/>
           </a:p>
@@ -619,6 +621,7 @@
           <a:p>
             <a:fld id="{F1BBC3DF-4D3E-4D62-AC24-223E50BCC8DF}" type="slidenum">
               <a:rPr lang="en-US" smtClean="0"/>
+              <a:t>‹#›</a:t>
             </a:fld>
             <a:endParaRPr lang="en-US"/>
           </a:p>
@@ -745,7 +748,6 @@
               <a:rPr lang="en-US"/>
               <a:t>Click to edit Master text styles</a:t>
             </a:r>
-            <a:endParaRPr lang="en-US"/>
           </a:p>
         </p:txBody>
       </p:sp>
@@ -766,6 +768,7 @@
           <a:p>
             <a:fld id="{1C6E12D2-DA3A-480B-BCDF-BFB6C7EBE402}" type="datetimeFigureOut">
               <a:rPr lang="en-US" smtClean="0"/>
+              <a:t>3/26/2023</a:t>
             </a:fld>
             <a:endParaRPr lang="en-US"/>
           </a:p>
@@ -807,6 +810,7 @@
           <a:p>
             <a:fld id="{F1BBC3DF-4D3E-4D62-AC24-223E50BCC8DF}" type="slidenum">
               <a:rPr lang="en-US" smtClean="0"/>
+              <a:t>‹#›</a:t>
             </a:fld>
             <a:endParaRPr lang="en-US"/>
           </a:p>
@@ -945,7 +949,6 @@
               <a:rPr lang="en-US"/>
               <a:t>Click to edit Master text styles</a:t>
             </a:r>
-            <a:endParaRPr lang="en-US"/>
           </a:p>
         </p:txBody>
       </p:sp>
@@ -1013,7 +1016,6 @@
               <a:rPr lang="en-US"/>
               <a:t>Click to edit Master text styles</a:t>
             </a:r>
-            <a:endParaRPr lang="en-US"/>
           </a:p>
         </p:txBody>
       </p:sp>
@@ -1034,6 +1036,7 @@
           <a:p>
             <a:fld id="{1C6E12D2-DA3A-480B-BCDF-BFB6C7EBE402}" type="datetimeFigureOut">
               <a:rPr lang="en-US" smtClean="0"/>
+              <a:t>3/26/2023</a:t>
             </a:fld>
             <a:endParaRPr lang="en-US"/>
           </a:p>
@@ -1075,6 +1078,7 @@
           <a:p>
             <a:fld id="{F1BBC3DF-4D3E-4D62-AC24-223E50BCC8DF}" type="slidenum">
               <a:rPr lang="en-US" smtClean="0"/>
+              <a:t>‹#›</a:t>
             </a:fld>
             <a:endParaRPr lang="en-US"/>
           </a:p>
@@ -1124,7 +1128,6 @@
               <a:rPr lang="en-US" dirty="0"/>
               <a:t>“</a:t>
             </a:r>
-            <a:endParaRPr lang="en-US" dirty="0"/>
           </a:p>
         </p:txBody>
       </p:sp>
@@ -1172,7 +1175,6 @@
               <a:rPr lang="en-US" dirty="0"/>
               <a:t>”</a:t>
             </a:r>
-            <a:endParaRPr lang="en-US" dirty="0"/>
           </a:p>
         </p:txBody>
       </p:sp>
@@ -1350,7 +1352,6 @@
               <a:rPr lang="en-US"/>
               <a:t>Click to edit Master text styles</a:t>
             </a:r>
-            <a:endParaRPr lang="en-US"/>
           </a:p>
         </p:txBody>
       </p:sp>
@@ -1371,6 +1372,7 @@
           <a:p>
             <a:fld id="{1C6E12D2-DA3A-480B-BCDF-BFB6C7EBE402}" type="datetimeFigureOut">
               <a:rPr lang="en-US" smtClean="0"/>
+              <a:t>3/26/2023</a:t>
             </a:fld>
             <a:endParaRPr lang="en-US"/>
           </a:p>
@@ -1412,6 +1414,7 @@
           <a:p>
             <a:fld id="{F1BBC3DF-4D3E-4D62-AC24-223E50BCC8DF}" type="slidenum">
               <a:rPr lang="en-US" smtClean="0"/>
+              <a:t>‹#›</a:t>
             </a:fld>
             <a:endParaRPr lang="en-US"/>
           </a:p>
@@ -1540,7 +1543,6 @@
               <a:rPr lang="en-US"/>
               <a:t>Click to edit Master text styles</a:t>
             </a:r>
-            <a:endParaRPr lang="en-US"/>
           </a:p>
         </p:txBody>
       </p:sp>
@@ -1608,7 +1610,6 @@
               <a:rPr lang="en-US"/>
               <a:t>Click to edit Master text styles</a:t>
             </a:r>
-            <a:endParaRPr lang="en-US"/>
           </a:p>
         </p:txBody>
       </p:sp>
@@ -1683,7 +1684,6 @@
               <a:rPr lang="en-US"/>
               <a:t>Click to edit Master text styles</a:t>
             </a:r>
-            <a:endParaRPr lang="en-US"/>
           </a:p>
         </p:txBody>
       </p:sp>
@@ -1751,7 +1751,6 @@
               <a:rPr lang="en-US"/>
               <a:t>Click to edit Master text styles</a:t>
             </a:r>
-            <a:endParaRPr lang="en-US"/>
           </a:p>
         </p:txBody>
       </p:sp>
@@ -1826,7 +1825,6 @@
               <a:rPr lang="en-US"/>
               <a:t>Click to edit Master text styles</a:t>
             </a:r>
-            <a:endParaRPr lang="en-US"/>
           </a:p>
         </p:txBody>
       </p:sp>
@@ -1894,7 +1892,6 @@
               <a:rPr lang="en-US"/>
               <a:t>Click to edit Master text styles</a:t>
             </a:r>
-            <a:endParaRPr lang="en-US"/>
           </a:p>
         </p:txBody>
       </p:sp>
@@ -1993,6 +1990,7 @@
           <a:p>
             <a:fld id="{1C6E12D2-DA3A-480B-BCDF-BFB6C7EBE402}" type="datetimeFigureOut">
               <a:rPr lang="en-US" smtClean="0"/>
+              <a:t>3/26/2023</a:t>
             </a:fld>
             <a:endParaRPr lang="en-US"/>
           </a:p>
@@ -2034,6 +2032,7 @@
           <a:p>
             <a:fld id="{F1BBC3DF-4D3E-4D62-AC24-223E50BCC8DF}" type="slidenum">
               <a:rPr lang="en-US" smtClean="0"/>
+              <a:t>‹#›</a:t>
             </a:fld>
             <a:endParaRPr lang="en-US"/>
           </a:p>
@@ -2162,7 +2161,6 @@
               <a:rPr lang="en-US"/>
               <a:t>Click to edit Master text styles</a:t>
             </a:r>
-            <a:endParaRPr lang="en-US"/>
           </a:p>
         </p:txBody>
       </p:sp>
@@ -2309,7 +2307,6 @@
               <a:rPr lang="en-US"/>
               <a:t>Click to edit Master text styles</a:t>
             </a:r>
-            <a:endParaRPr lang="en-US"/>
           </a:p>
         </p:txBody>
       </p:sp>
@@ -2384,7 +2381,6 @@
               <a:rPr lang="en-US"/>
               <a:t>Click to edit Master text styles</a:t>
             </a:r>
-            <a:endParaRPr lang="en-US"/>
           </a:p>
         </p:txBody>
       </p:sp>
@@ -2531,7 +2527,6 @@
               <a:rPr lang="en-US"/>
               <a:t>Click to edit Master text styles</a:t>
             </a:r>
-            <a:endParaRPr lang="en-US"/>
           </a:p>
         </p:txBody>
       </p:sp>
@@ -2606,7 +2601,6 @@
               <a:rPr lang="en-US"/>
               <a:t>Click to edit Master text styles</a:t>
             </a:r>
-            <a:endParaRPr lang="en-US"/>
           </a:p>
         </p:txBody>
       </p:sp>
@@ -2753,7 +2747,6 @@
               <a:rPr lang="en-US"/>
               <a:t>Click to edit Master text styles</a:t>
             </a:r>
-            <a:endParaRPr lang="en-US"/>
           </a:p>
         </p:txBody>
       </p:sp>
@@ -2852,6 +2845,7 @@
           <a:p>
             <a:fld id="{1C6E12D2-DA3A-480B-BCDF-BFB6C7EBE402}" type="datetimeFigureOut">
               <a:rPr lang="en-US" smtClean="0"/>
+              <a:t>3/26/2023</a:t>
             </a:fld>
             <a:endParaRPr lang="en-US"/>
           </a:p>
@@ -2893,6 +2887,7 @@
           <a:p>
             <a:fld id="{F1BBC3DF-4D3E-4D62-AC24-223E50BCC8DF}" type="slidenum">
               <a:rPr lang="en-US" smtClean="0"/>
+              <a:t>‹#›</a:t>
             </a:fld>
             <a:endParaRPr lang="en-US"/>
           </a:p>
@@ -2966,7 +2961,6 @@
               <a:rPr lang="en-US"/>
               <a:t>Click to edit Master text styles</a:t>
             </a:r>
-            <a:endParaRPr lang="en-US"/>
           </a:p>
           <a:p>
             <a:pPr lvl="1"/>
@@ -2974,7 +2968,6 @@
               <a:rPr lang="en-US"/>
               <a:t>Second level</a:t>
             </a:r>
-            <a:endParaRPr lang="en-US"/>
           </a:p>
           <a:p>
             <a:pPr lvl="2"/>
@@ -2982,7 +2975,6 @@
               <a:rPr lang="en-US"/>
               <a:t>Third level</a:t>
             </a:r>
-            <a:endParaRPr lang="en-US"/>
           </a:p>
           <a:p>
             <a:pPr lvl="3"/>
@@ -2990,7 +2982,6 @@
               <a:rPr lang="en-US"/>
               <a:t>Fourth level</a:t>
             </a:r>
-            <a:endParaRPr lang="en-US"/>
           </a:p>
           <a:p>
             <a:pPr lvl="4"/>
@@ -3019,6 +3010,7 @@
           <a:p>
             <a:fld id="{1C6E12D2-DA3A-480B-BCDF-BFB6C7EBE402}" type="datetimeFigureOut">
               <a:rPr lang="en-US" smtClean="0"/>
+              <a:t>3/26/2023</a:t>
             </a:fld>
             <a:endParaRPr lang="en-US"/>
           </a:p>
@@ -3060,6 +3052,7 @@
           <a:p>
             <a:fld id="{F1BBC3DF-4D3E-4D62-AC24-223E50BCC8DF}" type="slidenum">
               <a:rPr lang="en-US" smtClean="0"/>
+              <a:t>‹#›</a:t>
             </a:fld>
             <a:endParaRPr lang="en-US"/>
           </a:p>
@@ -3143,7 +3136,6 @@
               <a:rPr lang="en-US"/>
               <a:t>Click to edit Master text styles</a:t>
             </a:r>
-            <a:endParaRPr lang="en-US"/>
           </a:p>
           <a:p>
             <a:pPr lvl="1"/>
@@ -3151,7 +3143,6 @@
               <a:rPr lang="en-US"/>
               <a:t>Second level</a:t>
             </a:r>
-            <a:endParaRPr lang="en-US"/>
           </a:p>
           <a:p>
             <a:pPr lvl="2"/>
@@ -3159,7 +3150,6 @@
               <a:rPr lang="en-US"/>
               <a:t>Third level</a:t>
             </a:r>
-            <a:endParaRPr lang="en-US"/>
           </a:p>
           <a:p>
             <a:pPr lvl="3"/>
@@ -3167,7 +3157,6 @@
               <a:rPr lang="en-US"/>
               <a:t>Fourth level</a:t>
             </a:r>
-            <a:endParaRPr lang="en-US"/>
           </a:p>
           <a:p>
             <a:pPr lvl="4"/>
@@ -3196,6 +3185,7 @@
           <a:p>
             <a:fld id="{1C6E12D2-DA3A-480B-BCDF-BFB6C7EBE402}" type="datetimeFigureOut">
               <a:rPr lang="en-US" smtClean="0"/>
+              <a:t>3/26/2023</a:t>
             </a:fld>
             <a:endParaRPr lang="en-US"/>
           </a:p>
@@ -3237,6 +3227,7 @@
           <a:p>
             <a:fld id="{F1BBC3DF-4D3E-4D62-AC24-223E50BCC8DF}" type="slidenum">
               <a:rPr lang="en-US" smtClean="0"/>
+              <a:t>‹#›</a:t>
             </a:fld>
             <a:endParaRPr lang="en-US"/>
           </a:p>
@@ -3310,7 +3301,6 @@
               <a:rPr lang="en-US"/>
               <a:t>Click to edit Master text styles</a:t>
             </a:r>
-            <a:endParaRPr lang="en-US"/>
           </a:p>
           <a:p>
             <a:pPr lvl="1"/>
@@ -3318,7 +3308,6 @@
               <a:rPr lang="en-US"/>
               <a:t>Second level</a:t>
             </a:r>
-            <a:endParaRPr lang="en-US"/>
           </a:p>
           <a:p>
             <a:pPr lvl="2"/>
@@ -3326,7 +3315,6 @@
               <a:rPr lang="en-US"/>
               <a:t>Third level</a:t>
             </a:r>
-            <a:endParaRPr lang="en-US"/>
           </a:p>
           <a:p>
             <a:pPr lvl="3"/>
@@ -3334,7 +3322,6 @@
               <a:rPr lang="en-US"/>
               <a:t>Fourth level</a:t>
             </a:r>
-            <a:endParaRPr lang="en-US"/>
           </a:p>
           <a:p>
             <a:pPr lvl="4"/>
@@ -3363,6 +3350,7 @@
           <a:p>
             <a:fld id="{1C6E12D2-DA3A-480B-BCDF-BFB6C7EBE402}" type="datetimeFigureOut">
               <a:rPr lang="en-US" smtClean="0"/>
+              <a:t>3/26/2023</a:t>
             </a:fld>
             <a:endParaRPr lang="en-US"/>
           </a:p>
@@ -3404,6 +3392,7 @@
           <a:p>
             <a:fld id="{F1BBC3DF-4D3E-4D62-AC24-223E50BCC8DF}" type="slidenum">
               <a:rPr lang="en-US" smtClean="0"/>
+              <a:t>‹#›</a:t>
             </a:fld>
             <a:endParaRPr lang="en-US"/>
           </a:p>
@@ -3583,7 +3572,6 @@
               <a:rPr lang="en-US"/>
               <a:t>Click to edit Master text styles</a:t>
             </a:r>
-            <a:endParaRPr lang="en-US"/>
           </a:p>
         </p:txBody>
       </p:sp>
@@ -3604,6 +3592,7 @@
           <a:p>
             <a:fld id="{1C6E12D2-DA3A-480B-BCDF-BFB6C7EBE402}" type="datetimeFigureOut">
               <a:rPr lang="en-US" smtClean="0"/>
+              <a:t>3/26/2023</a:t>
             </a:fld>
             <a:endParaRPr lang="en-US"/>
           </a:p>
@@ -3645,6 +3634,7 @@
           <a:p>
             <a:fld id="{F1BBC3DF-4D3E-4D62-AC24-223E50BCC8DF}" type="slidenum">
               <a:rPr lang="en-US" smtClean="0"/>
+              <a:t>‹#›</a:t>
             </a:fld>
             <a:endParaRPr lang="en-US"/>
           </a:p>
@@ -3753,7 +3743,6 @@
               <a:rPr lang="en-US"/>
               <a:t>Click to edit Master text styles</a:t>
             </a:r>
-            <a:endParaRPr lang="en-US"/>
           </a:p>
           <a:p>
             <a:pPr lvl="1"/>
@@ -3761,7 +3750,6 @@
               <a:rPr lang="en-US"/>
               <a:t>Second level</a:t>
             </a:r>
-            <a:endParaRPr lang="en-US"/>
           </a:p>
           <a:p>
             <a:pPr lvl="2"/>
@@ -3769,7 +3757,6 @@
               <a:rPr lang="en-US"/>
               <a:t>Third level</a:t>
             </a:r>
-            <a:endParaRPr lang="en-US"/>
           </a:p>
           <a:p>
             <a:pPr lvl="3"/>
@@ -3777,7 +3764,6 @@
               <a:rPr lang="en-US"/>
               <a:t>Fourth level</a:t>
             </a:r>
-            <a:endParaRPr lang="en-US"/>
           </a:p>
           <a:p>
             <a:pPr lvl="4"/>
@@ -3844,7 +3830,6 @@
               <a:rPr lang="en-US"/>
               <a:t>Click to edit Master text styles</a:t>
             </a:r>
-            <a:endParaRPr lang="en-US"/>
           </a:p>
           <a:p>
             <a:pPr lvl="1"/>
@@ -3852,7 +3837,6 @@
               <a:rPr lang="en-US"/>
               <a:t>Second level</a:t>
             </a:r>
-            <a:endParaRPr lang="en-US"/>
           </a:p>
           <a:p>
             <a:pPr lvl="2"/>
@@ -3860,7 +3844,6 @@
               <a:rPr lang="en-US"/>
               <a:t>Third level</a:t>
             </a:r>
-            <a:endParaRPr lang="en-US"/>
           </a:p>
           <a:p>
             <a:pPr lvl="3"/>
@@ -3868,7 +3851,6 @@
               <a:rPr lang="en-US"/>
               <a:t>Fourth level</a:t>
             </a:r>
-            <a:endParaRPr lang="en-US"/>
           </a:p>
           <a:p>
             <a:pPr lvl="4"/>
@@ -3897,6 +3879,7 @@
           <a:p>
             <a:fld id="{1C6E12D2-DA3A-480B-BCDF-BFB6C7EBE402}" type="datetimeFigureOut">
               <a:rPr lang="en-US" smtClean="0"/>
+              <a:t>3/26/2023</a:t>
             </a:fld>
             <a:endParaRPr lang="en-US"/>
           </a:p>
@@ -3938,6 +3921,7 @@
           <a:p>
             <a:fld id="{F1BBC3DF-4D3E-4D62-AC24-223E50BCC8DF}" type="slidenum">
               <a:rPr lang="en-US" smtClean="0"/>
+              <a:t>‹#›</a:t>
             </a:fld>
             <a:endParaRPr lang="en-US"/>
           </a:p>
@@ -4066,7 +4050,6 @@
               <a:rPr lang="en-US"/>
               <a:t>Click to edit Master text styles</a:t>
             </a:r>
-            <a:endParaRPr lang="en-US"/>
           </a:p>
         </p:txBody>
       </p:sp>
@@ -4125,7 +4108,6 @@
               <a:rPr lang="en-US"/>
               <a:t>Click to edit Master text styles</a:t>
             </a:r>
-            <a:endParaRPr lang="en-US"/>
           </a:p>
           <a:p>
             <a:pPr lvl="1"/>
@@ -4133,7 +4115,6 @@
               <a:rPr lang="en-US"/>
               <a:t>Second level</a:t>
             </a:r>
-            <a:endParaRPr lang="en-US"/>
           </a:p>
           <a:p>
             <a:pPr lvl="2"/>
@@ -4141,7 +4122,6 @@
               <a:rPr lang="en-US"/>
               <a:t>Third level</a:t>
             </a:r>
-            <a:endParaRPr lang="en-US"/>
           </a:p>
           <a:p>
             <a:pPr lvl="3"/>
@@ -4149,7 +4129,6 @@
               <a:rPr lang="en-US"/>
               <a:t>Fourth level</a:t>
             </a:r>
-            <a:endParaRPr lang="en-US"/>
           </a:p>
           <a:p>
             <a:pPr lvl="4"/>
@@ -4232,7 +4211,6 @@
               <a:rPr lang="en-US"/>
               <a:t>Click to edit Master text styles</a:t>
             </a:r>
-            <a:endParaRPr lang="en-US"/>
           </a:p>
         </p:txBody>
       </p:sp>
@@ -4291,7 +4269,6 @@
               <a:rPr lang="en-US"/>
               <a:t>Click to edit Master text styles</a:t>
             </a:r>
-            <a:endParaRPr lang="en-US"/>
           </a:p>
           <a:p>
             <a:pPr lvl="1"/>
@@ -4299,7 +4276,6 @@
               <a:rPr lang="en-US"/>
               <a:t>Second level</a:t>
             </a:r>
-            <a:endParaRPr lang="en-US"/>
           </a:p>
           <a:p>
             <a:pPr lvl="2"/>
@@ -4307,7 +4283,6 @@
               <a:rPr lang="en-US"/>
               <a:t>Third level</a:t>
             </a:r>
-            <a:endParaRPr lang="en-US"/>
           </a:p>
           <a:p>
             <a:pPr lvl="3"/>
@@ -4315,7 +4290,6 @@
               <a:rPr lang="en-US"/>
               <a:t>Fourth level</a:t>
             </a:r>
-            <a:endParaRPr lang="en-US"/>
           </a:p>
           <a:p>
             <a:pPr lvl="4"/>
@@ -4344,6 +4318,7 @@
           <a:p>
             <a:fld id="{1C6E12D2-DA3A-480B-BCDF-BFB6C7EBE402}" type="datetimeFigureOut">
               <a:rPr lang="en-US" smtClean="0"/>
+              <a:t>3/26/2023</a:t>
             </a:fld>
             <a:endParaRPr lang="en-US"/>
           </a:p>
@@ -4385,6 +4360,7 @@
           <a:p>
             <a:fld id="{F1BBC3DF-4D3E-4D62-AC24-223E50BCC8DF}" type="slidenum">
               <a:rPr lang="en-US" smtClean="0"/>
+              <a:t>‹#›</a:t>
             </a:fld>
             <a:endParaRPr lang="en-US"/>
           </a:p>
@@ -4455,6 +4431,7 @@
           <a:p>
             <a:fld id="{1C6E12D2-DA3A-480B-BCDF-BFB6C7EBE402}" type="datetimeFigureOut">
               <a:rPr lang="en-US" smtClean="0"/>
+              <a:t>3/26/2023</a:t>
             </a:fld>
             <a:endParaRPr lang="en-US"/>
           </a:p>
@@ -4496,6 +4473,7 @@
           <a:p>
             <a:fld id="{F1BBC3DF-4D3E-4D62-AC24-223E50BCC8DF}" type="slidenum">
               <a:rPr lang="en-US" smtClean="0"/>
+              <a:t>‹#›</a:t>
             </a:fld>
             <a:endParaRPr lang="en-US"/>
           </a:p>
@@ -4543,6 +4521,7 @@
           <a:p>
             <a:fld id="{1C6E12D2-DA3A-480B-BCDF-BFB6C7EBE402}" type="datetimeFigureOut">
               <a:rPr lang="en-US" smtClean="0"/>
+              <a:t>3/26/2023</a:t>
             </a:fld>
             <a:endParaRPr lang="en-US"/>
           </a:p>
@@ -4584,6 +4563,7 @@
           <a:p>
             <a:fld id="{F1BBC3DF-4D3E-4D62-AC24-223E50BCC8DF}" type="slidenum">
               <a:rPr lang="en-US" smtClean="0"/>
+              <a:t>‹#›</a:t>
             </a:fld>
             <a:endParaRPr lang="en-US"/>
           </a:p>
@@ -4701,7 +4681,6 @@
               <a:rPr lang="en-US"/>
               <a:t>Click to edit Master text styles</a:t>
             </a:r>
-            <a:endParaRPr lang="en-US"/>
           </a:p>
           <a:p>
             <a:pPr lvl="1"/>
@@ -4709,7 +4688,6 @@
               <a:rPr lang="en-US"/>
               <a:t>Second level</a:t>
             </a:r>
-            <a:endParaRPr lang="en-US"/>
           </a:p>
           <a:p>
             <a:pPr lvl="2"/>
@@ -4717,7 +4695,6 @@
               <a:rPr lang="en-US"/>
               <a:t>Third level</a:t>
             </a:r>
-            <a:endParaRPr lang="en-US"/>
           </a:p>
           <a:p>
             <a:pPr lvl="3"/>
@@ -4725,7 +4702,6 @@
               <a:rPr lang="en-US"/>
               <a:t>Fourth level</a:t>
             </a:r>
-            <a:endParaRPr lang="en-US"/>
           </a:p>
           <a:p>
             <a:pPr lvl="4"/>
@@ -4799,7 +4775,6 @@
               <a:rPr lang="en-US"/>
               <a:t>Click to edit Master text styles</a:t>
             </a:r>
-            <a:endParaRPr lang="en-US"/>
           </a:p>
         </p:txBody>
       </p:sp>
@@ -4820,6 +4795,7 @@
           <a:p>
             <a:fld id="{1C6E12D2-DA3A-480B-BCDF-BFB6C7EBE402}" type="datetimeFigureOut">
               <a:rPr lang="en-US" smtClean="0"/>
+              <a:t>3/26/2023</a:t>
             </a:fld>
             <a:endParaRPr lang="en-US"/>
           </a:p>
@@ -4861,6 +4837,7 @@
           <a:p>
             <a:fld id="{F1BBC3DF-4D3E-4D62-AC24-223E50BCC8DF}" type="slidenum">
               <a:rPr lang="en-US" smtClean="0"/>
+              <a:t>‹#›</a:t>
             </a:fld>
             <a:endParaRPr lang="en-US"/>
           </a:p>
@@ -5068,7 +5045,6 @@
               <a:rPr lang="en-US"/>
               <a:t>Click to edit Master text styles</a:t>
             </a:r>
-            <a:endParaRPr lang="en-US"/>
           </a:p>
         </p:txBody>
       </p:sp>
@@ -5089,6 +5065,7 @@
           <a:p>
             <a:fld id="{1C6E12D2-DA3A-480B-BCDF-BFB6C7EBE402}" type="datetimeFigureOut">
               <a:rPr lang="en-US" smtClean="0"/>
+              <a:t>3/26/2023</a:t>
             </a:fld>
             <a:endParaRPr lang="en-US"/>
           </a:p>
@@ -5130,6 +5107,7 @@
           <a:p>
             <a:fld id="{F1BBC3DF-4D3E-4D62-AC24-223E50BCC8DF}" type="slidenum">
               <a:rPr lang="en-US" smtClean="0"/>
+              <a:t>‹#›</a:t>
             </a:fld>
             <a:endParaRPr lang="en-US"/>
           </a:p>
@@ -5174,7 +5152,7 @@
           <p:nvPr/>
         </p:nvPicPr>
         <p:blipFill rotWithShape="1">
-          <a:blip r:embed="rId18">
+          <a:blip r:embed="rId19">
             <a:extLst>
               <a:ext uri="{28A0092B-C50C-407E-A947-70E740481C1C}">
                 <a14:useLocalDpi xmlns:a14="http://schemas.microsoft.com/office/drawing/2010/main" val="0"/>
@@ -5205,7 +5183,7 @@
           <p:nvPr/>
         </p:nvPicPr>
         <p:blipFill rotWithShape="1">
-          <a:blip r:embed="rId19">
+          <a:blip r:embed="rId20">
             <a:extLst>
               <a:ext uri="{28A0092B-C50C-407E-A947-70E740481C1C}">
                 <a14:useLocalDpi xmlns:a14="http://schemas.microsoft.com/office/drawing/2010/main" val="0"/>
@@ -5299,7 +5277,7 @@
           <p:nvPr/>
         </p:nvPicPr>
         <p:blipFill rotWithShape="1">
-          <a:blip r:embed="rId20">
+          <a:blip r:embed="rId21">
             <a:extLst>
               <a:ext uri="{28A0092B-C50C-407E-A947-70E740481C1C}">
                 <a14:useLocalDpi xmlns:a14="http://schemas.microsoft.com/office/drawing/2010/main" val="0"/>
@@ -5330,7 +5308,7 @@
           <p:nvPr/>
         </p:nvPicPr>
         <p:blipFill rotWithShape="1">
-          <a:blip r:embed="rId21">
+          <a:blip r:embed="rId22">
             <a:extLst>
               <a:ext uri="{28A0092B-C50C-407E-A947-70E740481C1C}">
                 <a14:useLocalDpi xmlns:a14="http://schemas.microsoft.com/office/drawing/2010/main" val="0"/>
@@ -5451,7 +5429,6 @@
               <a:rPr lang="en-US"/>
               <a:t>Click to edit Master text styles</a:t>
             </a:r>
-            <a:endParaRPr lang="en-US"/>
           </a:p>
           <a:p>
             <a:pPr lvl="1"/>
@@ -5459,7 +5436,6 @@
               <a:rPr lang="en-US"/>
               <a:t>Second level</a:t>
             </a:r>
-            <a:endParaRPr lang="en-US"/>
           </a:p>
           <a:p>
             <a:pPr lvl="2"/>
@@ -5467,7 +5443,6 @@
               <a:rPr lang="en-US"/>
               <a:t>Third level</a:t>
             </a:r>
-            <a:endParaRPr lang="en-US"/>
           </a:p>
           <a:p>
             <a:pPr lvl="3"/>
@@ -5475,7 +5450,6 @@
               <a:rPr lang="en-US"/>
               <a:t>Fourth level</a:t>
             </a:r>
-            <a:endParaRPr lang="en-US"/>
           </a:p>
           <a:p>
             <a:pPr lvl="4"/>
@@ -5523,6 +5497,7 @@
           <a:p>
             <a:fld id="{1C6E12D2-DA3A-480B-BCDF-BFB6C7EBE402}" type="datetimeFigureOut">
               <a:rPr lang="en-US" smtClean="0"/>
+              <a:t>3/26/2023</a:t>
             </a:fld>
             <a:endParaRPr lang="en-US"/>
           </a:p>
@@ -5601,6 +5576,7 @@
           <a:p>
             <a:fld id="{F1BBC3DF-4D3E-4D62-AC24-223E50BCC8DF}" type="slidenum">
               <a:rPr lang="en-US" smtClean="0"/>
+              <a:t>‹#›</a:t>
             </a:fld>
             <a:endParaRPr lang="en-US"/>
           </a:p>
@@ -6070,7 +6046,6 @@
               <a:rPr lang="en-US" dirty="0"/>
               <a:t>CAR SHOW ROOM</a:t>
             </a:r>
-            <a:endParaRPr lang="en-US" dirty="0"/>
           </a:p>
         </p:txBody>
       </p:sp>
@@ -6142,7 +6117,6 @@
               <a:rPr lang="en-US" dirty="0"/>
               <a:t>Data Flow Diagram</a:t>
             </a:r>
-            <a:endParaRPr lang="en-US" dirty="0"/>
           </a:p>
         </p:txBody>
       </p:sp>
@@ -6172,14 +6146,6 @@
               </a:rPr>
               <a:t>Level 0:</a:t>
             </a:r>
-            <a:endParaRPr lang="en-US" sz="3600" dirty="0">
-              <a:solidFill>
-                <a:schemeClr val="tx2"/>
-              </a:solidFill>
-              <a:latin typeface="+mj-lt"/>
-              <a:ea typeface="+mj-ea"/>
-              <a:cs typeface="+mj-cs"/>
-            </a:endParaRPr>
           </a:p>
           <a:p>
             <a:pPr marL="0" indent="0">
@@ -6211,7 +6177,7 @@
           <p:nvPr/>
         </p:nvPicPr>
         <p:blipFill>
-          <a:blip r:embed="rId1">
+          <a:blip r:embed="rId2">
             <a:extLst>
               <a:ext uri="{28A0092B-C50C-407E-A947-70E740481C1C}">
                 <a14:useLocalDpi xmlns:a14="http://schemas.microsoft.com/office/drawing/2010/main" val="0"/>
@@ -6277,7 +6243,6 @@
               <a:rPr lang="en-US" dirty="0"/>
               <a:t>Level 1:</a:t>
             </a:r>
-            <a:endParaRPr lang="en-US" dirty="0"/>
           </a:p>
         </p:txBody>
       </p:sp>
@@ -6292,7 +6257,7 @@
           </p:nvPr>
         </p:nvPicPr>
         <p:blipFill>
-          <a:blip r:embed="rId1">
+          <a:blip r:embed="rId2">
             <a:extLst>
               <a:ext uri="{28A0092B-C50C-407E-A947-70E740481C1C}">
                 <a14:useLocalDpi xmlns:a14="http://schemas.microsoft.com/office/drawing/2010/main" val="0"/>
@@ -6354,7 +6319,6 @@
               <a:rPr lang="en-IN" dirty="0"/>
               <a:t>   </a:t>
             </a:r>
-            <a:endParaRPr lang="en-IN" dirty="0"/>
           </a:p>
         </p:txBody>
       </p:sp>
@@ -6382,7 +6346,6 @@
               <a:rPr lang="en-IN" dirty="0"/>
               <a:t>Table name:  admin</a:t>
             </a:r>
-            <a:endParaRPr lang="en-IN" dirty="0"/>
           </a:p>
           <a:p>
             <a:pPr marL="0" indent="0">
@@ -6429,10 +6392,6 @@
                         </a:rPr>
                         <a:t>FIELD</a:t>
                       </a:r>
-                      <a:endParaRPr lang="en-IN" dirty="0">
-                        <a:latin typeface="Calibri" panose="020F0502020204030204" pitchFamily="34" charset="0"/>
-                        <a:cs typeface="Calibri" panose="020F0502020204030204" pitchFamily="34" charset="0"/>
-                      </a:endParaRPr>
                     </a:p>
                   </a:txBody>
                   <a:tcPr/>
@@ -6446,7 +6405,6 @@
                         <a:rPr lang="en-IN" dirty="0"/>
                         <a:t>DATA TYPE</a:t>
                       </a:r>
-                      <a:endParaRPr lang="en-IN" dirty="0"/>
                     </a:p>
                   </a:txBody>
                   <a:tcPr/>
@@ -6460,7 +6418,6 @@
                         <a:rPr lang="en-IN" dirty="0"/>
                         <a:t>SIZE</a:t>
                       </a:r>
-                      <a:endParaRPr lang="en-IN" dirty="0"/>
                     </a:p>
                   </a:txBody>
                   <a:tcPr/>
@@ -6474,7 +6431,6 @@
                         <a:rPr lang="en-IN" dirty="0"/>
                         <a:t>CONSTRAINT</a:t>
                       </a:r>
-                      <a:endParaRPr lang="en-IN" dirty="0"/>
                     </a:p>
                   </a:txBody>
                   <a:tcPr/>
@@ -6490,7 +6446,6 @@
                         <a:rPr lang="en-IN" sz="1600" b="0" dirty="0"/>
                         <a:t>Username</a:t>
                       </a:r>
-                      <a:endParaRPr lang="en-IN" sz="1600" b="0" dirty="0"/>
                     </a:p>
                   </a:txBody>
                   <a:tcPr/>
@@ -6518,7 +6473,6 @@
                         <a:rPr lang="en-IN" dirty="0"/>
                         <a:t>10</a:t>
                       </a:r>
-                      <a:endParaRPr lang="en-IN" dirty="0"/>
                     </a:p>
                   </a:txBody>
                   <a:tcPr/>
@@ -6552,7 +6506,6 @@
                         <a:rPr lang="en-IN" dirty="0"/>
                         <a:t>Password</a:t>
                       </a:r>
-                      <a:endParaRPr lang="en-IN" dirty="0"/>
                     </a:p>
                   </a:txBody>
                   <a:tcPr/>
@@ -6580,7 +6533,6 @@
                         <a:rPr lang="en-IN" dirty="0"/>
                         <a:t>5</a:t>
                       </a:r>
-                      <a:endParaRPr lang="en-IN" dirty="0"/>
                     </a:p>
                   </a:txBody>
                   <a:tcPr/>
@@ -6695,7 +6647,6 @@
               <a:rPr lang="en-IN" dirty="0"/>
               <a:t>TABLE NAME:  Customer</a:t>
             </a:r>
-            <a:endParaRPr lang="en-IN" dirty="0"/>
           </a:p>
           <a:p>
             <a:pPr marL="0" indent="0">
@@ -6711,11 +6662,17 @@
           <p:cNvGraphicFramePr>
             <a:graphicFrameLocks noGrp="1"/>
           </p:cNvGraphicFramePr>
-          <p:nvPr/>
+          <p:nvPr>
+            <p:extLst>
+              <p:ext uri="{D42A27DB-BD31-4B8C-83A1-F6EECF244321}">
+                <p14:modId xmlns:p14="http://schemas.microsoft.com/office/powerpoint/2010/main" val="894410759"/>
+              </p:ext>
+            </p:extLst>
+          </p:nvPr>
         </p:nvGraphicFramePr>
         <p:xfrm>
           <a:off x="1076485" y="1990473"/>
-          <a:ext cx="8544193" cy="5986994"/>
+          <a:ext cx="8544193" cy="2985387"/>
         </p:xfrm>
         <a:graphic>
           <a:graphicData uri="http://schemas.openxmlformats.org/drawingml/2006/table">
@@ -6736,55 +6693,227 @@
                     <a:lstStyle/>
                     <a:p>
                       <a:r>
-                        <a:rPr lang="en-IN" dirty="0"/>
+                        <a:rPr lang="en-IN" sz="1200" dirty="0">
+                          <a:solidFill>
+                            <a:sysClr val="windowText" lastClr="000000"/>
+                          </a:solidFill>
+                          <a:latin typeface="Times New Roman" panose="02020603050405020304" pitchFamily="18" charset="0"/>
+                          <a:cs typeface="Times New Roman" panose="02020603050405020304" pitchFamily="18" charset="0"/>
+                        </a:rPr>
                         <a:t>FIELD</a:t>
                       </a:r>
-                      <a:endParaRPr lang="en-IN" dirty="0"/>
-                    </a:p>
-                  </a:txBody>
-                  <a:tcPr/>
-                </a:tc>
-                <a:tc>
-                  <a:txBody>
-                    <a:bodyPr/>
-                    <a:lstStyle/>
-                    <a:p>
-                      <a:r>
-                        <a:rPr lang="en-IN" dirty="0"/>
+                    </a:p>
+                  </a:txBody>
+                  <a:tcPr>
+                    <a:lnL w="3175" cap="flat" cmpd="sng" algn="ctr">
+                      <a:solidFill>
+                        <a:schemeClr val="tx1"/>
+                      </a:solidFill>
+                      <a:prstDash val="solid"/>
+                      <a:round/>
+                      <a:headEnd type="none" w="med" len="med"/>
+                      <a:tailEnd type="none" w="med" len="med"/>
+                    </a:lnL>
+                    <a:lnR w="3175" cap="flat" cmpd="sng" algn="ctr">
+                      <a:solidFill>
+                        <a:schemeClr val="tx1"/>
+                      </a:solidFill>
+                      <a:prstDash val="solid"/>
+                      <a:round/>
+                      <a:headEnd type="none" w="med" len="med"/>
+                      <a:tailEnd type="none" w="med" len="med"/>
+                    </a:lnR>
+                    <a:lnT w="3175" cap="flat" cmpd="sng" algn="ctr">
+                      <a:solidFill>
+                        <a:schemeClr val="tx1"/>
+                      </a:solidFill>
+                      <a:prstDash val="solid"/>
+                      <a:round/>
+                      <a:headEnd type="none" w="med" len="med"/>
+                      <a:tailEnd type="none" w="med" len="med"/>
+                    </a:lnT>
+                    <a:lnB w="3175" cap="flat" cmpd="sng" algn="ctr">
+                      <a:solidFill>
+                        <a:schemeClr val="tx1"/>
+                      </a:solidFill>
+                      <a:prstDash val="solid"/>
+                      <a:round/>
+                      <a:headEnd type="none" w="med" len="med"/>
+                      <a:tailEnd type="none" w="med" len="med"/>
+                    </a:lnB>
+                    <a:noFill/>
+                  </a:tcPr>
+                </a:tc>
+                <a:tc>
+                  <a:txBody>
+                    <a:bodyPr/>
+                    <a:lstStyle/>
+                    <a:p>
+                      <a:r>
+                        <a:rPr lang="en-IN" sz="1200" dirty="0">
+                          <a:solidFill>
+                            <a:sysClr val="windowText" lastClr="000000"/>
+                          </a:solidFill>
+                          <a:latin typeface="Times New Roman" panose="02020603050405020304" pitchFamily="18" charset="0"/>
+                          <a:cs typeface="Times New Roman" panose="02020603050405020304" pitchFamily="18" charset="0"/>
+                        </a:rPr>
                         <a:t>DATA TYPE</a:t>
                       </a:r>
-                      <a:endParaRPr lang="en-IN" dirty="0"/>
-                    </a:p>
-                  </a:txBody>
-                  <a:tcPr/>
-                </a:tc>
-                <a:tc>
-                  <a:txBody>
-                    <a:bodyPr/>
-                    <a:lstStyle/>
-                    <a:p>
-                      <a:r>
-                        <a:rPr lang="en-IN" dirty="0"/>
+                    </a:p>
+                  </a:txBody>
+                  <a:tcPr>
+                    <a:lnL w="3175" cap="flat" cmpd="sng" algn="ctr">
+                      <a:solidFill>
+                        <a:schemeClr val="tx1"/>
+                      </a:solidFill>
+                      <a:prstDash val="solid"/>
+                      <a:round/>
+                      <a:headEnd type="none" w="med" len="med"/>
+                      <a:tailEnd type="none" w="med" len="med"/>
+                    </a:lnL>
+                    <a:lnR w="3175" cap="flat" cmpd="sng" algn="ctr">
+                      <a:solidFill>
+                        <a:schemeClr val="tx1"/>
+                      </a:solidFill>
+                      <a:prstDash val="solid"/>
+                      <a:round/>
+                      <a:headEnd type="none" w="med" len="med"/>
+                      <a:tailEnd type="none" w="med" len="med"/>
+                    </a:lnR>
+                    <a:lnT w="3175" cap="flat" cmpd="sng" algn="ctr">
+                      <a:solidFill>
+                        <a:schemeClr val="tx1"/>
+                      </a:solidFill>
+                      <a:prstDash val="solid"/>
+                      <a:round/>
+                      <a:headEnd type="none" w="med" len="med"/>
+                      <a:tailEnd type="none" w="med" len="med"/>
+                    </a:lnT>
+                    <a:lnB w="3175" cap="flat" cmpd="sng" algn="ctr">
+                      <a:solidFill>
+                        <a:schemeClr val="tx1"/>
+                      </a:solidFill>
+                      <a:prstDash val="solid"/>
+                      <a:round/>
+                      <a:headEnd type="none" w="med" len="med"/>
+                      <a:tailEnd type="none" w="med" len="med"/>
+                    </a:lnB>
+                    <a:noFill/>
+                  </a:tcPr>
+                </a:tc>
+                <a:tc>
+                  <a:txBody>
+                    <a:bodyPr/>
+                    <a:lstStyle/>
+                    <a:p>
+                      <a:r>
+                        <a:rPr lang="en-IN" sz="1200" dirty="0">
+                          <a:solidFill>
+                            <a:sysClr val="windowText" lastClr="000000"/>
+                          </a:solidFill>
+                          <a:latin typeface="Times New Roman" panose="02020603050405020304" pitchFamily="18" charset="0"/>
+                          <a:cs typeface="Times New Roman" panose="02020603050405020304" pitchFamily="18" charset="0"/>
+                        </a:rPr>
                         <a:t>SIZE</a:t>
                       </a:r>
-                      <a:endParaRPr lang="en-IN" dirty="0"/>
-                    </a:p>
-                  </a:txBody>
-                  <a:tcPr/>
-                </a:tc>
-                <a:tc>
-                  <a:txBody>
-                    <a:bodyPr/>
-                    <a:lstStyle/>
-                    <a:p>
-                      <a:r>
-                        <a:rPr lang="en-IN" dirty="0"/>
+                    </a:p>
+                  </a:txBody>
+                  <a:tcPr>
+                    <a:lnL w="3175" cap="flat" cmpd="sng" algn="ctr">
+                      <a:solidFill>
+                        <a:schemeClr val="tx1"/>
+                      </a:solidFill>
+                      <a:prstDash val="solid"/>
+                      <a:round/>
+                      <a:headEnd type="none" w="med" len="med"/>
+                      <a:tailEnd type="none" w="med" len="med"/>
+                    </a:lnL>
+                    <a:lnR w="3175" cap="flat" cmpd="sng" algn="ctr">
+                      <a:solidFill>
+                        <a:schemeClr val="tx1"/>
+                      </a:solidFill>
+                      <a:prstDash val="solid"/>
+                      <a:round/>
+                      <a:headEnd type="none" w="med" len="med"/>
+                      <a:tailEnd type="none" w="med" len="med"/>
+                    </a:lnR>
+                    <a:lnT w="3175" cap="flat" cmpd="sng" algn="ctr">
+                      <a:solidFill>
+                        <a:schemeClr val="tx1"/>
+                      </a:solidFill>
+                      <a:prstDash val="solid"/>
+                      <a:round/>
+                      <a:headEnd type="none" w="med" len="med"/>
+                      <a:tailEnd type="none" w="med" len="med"/>
+                    </a:lnT>
+                    <a:lnB w="3175" cap="flat" cmpd="sng" algn="ctr">
+                      <a:solidFill>
+                        <a:schemeClr val="tx1"/>
+                      </a:solidFill>
+                      <a:prstDash val="solid"/>
+                      <a:round/>
+                      <a:headEnd type="none" w="med" len="med"/>
+                      <a:tailEnd type="none" w="med" len="med"/>
+                    </a:lnB>
+                    <a:noFill/>
+                  </a:tcPr>
+                </a:tc>
+                <a:tc>
+                  <a:txBody>
+                    <a:bodyPr/>
+                    <a:lstStyle/>
+                    <a:p>
+                      <a:r>
+                        <a:rPr lang="en-IN" sz="1200" dirty="0">
+                          <a:solidFill>
+                            <a:sysClr val="windowText" lastClr="000000"/>
+                          </a:solidFill>
+                          <a:latin typeface="Times New Roman" panose="02020603050405020304" pitchFamily="18" charset="0"/>
+                          <a:cs typeface="Times New Roman" panose="02020603050405020304" pitchFamily="18" charset="0"/>
+                        </a:rPr>
                         <a:t>CONSTRAINT</a:t>
                       </a:r>
-                      <a:endParaRPr lang="en-IN" dirty="0"/>
-                    </a:p>
-                  </a:txBody>
-                  <a:tcPr/>
+                    </a:p>
+                  </a:txBody>
+                  <a:tcPr>
+                    <a:lnL w="3175" cap="flat" cmpd="sng" algn="ctr">
+                      <a:solidFill>
+                        <a:schemeClr val="tx1"/>
+                      </a:solidFill>
+                      <a:prstDash val="solid"/>
+                      <a:round/>
+                      <a:headEnd type="none" w="med" len="med"/>
+                      <a:tailEnd type="none" w="med" len="med"/>
+                    </a:lnL>
+                    <a:lnR w="3175" cap="flat" cmpd="sng" algn="ctr">
+                      <a:solidFill>
+                        <a:schemeClr val="tx1"/>
+                      </a:solidFill>
+                      <a:prstDash val="solid"/>
+                      <a:round/>
+                      <a:headEnd type="none" w="med" len="med"/>
+                      <a:tailEnd type="none" w="med" len="med"/>
+                    </a:lnR>
+                    <a:lnT w="3175" cap="flat" cmpd="sng" algn="ctr">
+                      <a:solidFill>
+                        <a:schemeClr val="tx1"/>
+                      </a:solidFill>
+                      <a:prstDash val="solid"/>
+                      <a:round/>
+                      <a:headEnd type="none" w="med" len="med"/>
+                      <a:tailEnd type="none" w="med" len="med"/>
+                    </a:lnT>
+                    <a:lnB w="3175" cap="flat" cmpd="sng" algn="ctr">
+                      <a:solidFill>
+                        <a:schemeClr val="tx1"/>
+                      </a:solidFill>
+                      <a:prstDash val="solid"/>
+                      <a:round/>
+                      <a:headEnd type="none" w="med" len="med"/>
+                      <a:tailEnd type="none" w="med" len="med"/>
+                    </a:lnB>
+                    <a:noFill/>
+                  </a:tcPr>
                 </a:tc>
               </a:tr>
               <a:tr h="370840">
@@ -6794,59 +6923,251 @@
                     <a:lstStyle/>
                     <a:p>
                       <a:r>
-                        <a:rPr lang="en-IN" dirty="0"/>
+                        <a:rPr lang="en-IN" sz="1200" dirty="0">
+                          <a:solidFill>
+                            <a:sysClr val="windowText" lastClr="000000"/>
+                          </a:solidFill>
+                          <a:latin typeface="Times New Roman" panose="02020603050405020304" pitchFamily="18" charset="0"/>
+                          <a:cs typeface="Times New Roman" panose="02020603050405020304" pitchFamily="18" charset="0"/>
+                        </a:rPr>
                         <a:t>customer id</a:t>
                       </a:r>
-                      <a:endParaRPr lang="en-IN" dirty="0"/>
-                    </a:p>
-                  </a:txBody>
-                  <a:tcPr/>
-                </a:tc>
-                <a:tc>
-                  <a:txBody>
-                    <a:bodyPr/>
-                    <a:lstStyle/>
-                    <a:p>
-                      <a:r>
-                        <a:rPr lang="en-IN" dirty="0" err="1"/>
+                    </a:p>
+                  </a:txBody>
+                  <a:tcPr>
+                    <a:lnL w="3175" cap="flat" cmpd="sng" algn="ctr">
+                      <a:solidFill>
+                        <a:schemeClr val="tx1"/>
+                      </a:solidFill>
+                      <a:prstDash val="solid"/>
+                      <a:round/>
+                      <a:headEnd type="none" w="med" len="med"/>
+                      <a:tailEnd type="none" w="med" len="med"/>
+                    </a:lnL>
+                    <a:lnR w="3175" cap="flat" cmpd="sng" algn="ctr">
+                      <a:solidFill>
+                        <a:schemeClr val="tx1"/>
+                      </a:solidFill>
+                      <a:prstDash val="solid"/>
+                      <a:round/>
+                      <a:headEnd type="none" w="med" len="med"/>
+                      <a:tailEnd type="none" w="med" len="med"/>
+                    </a:lnR>
+                    <a:lnT w="3175" cap="flat" cmpd="sng" algn="ctr">
+                      <a:solidFill>
+                        <a:schemeClr val="tx1"/>
+                      </a:solidFill>
+                      <a:prstDash val="solid"/>
+                      <a:round/>
+                      <a:headEnd type="none" w="med" len="med"/>
+                      <a:tailEnd type="none" w="med" len="med"/>
+                    </a:lnT>
+                    <a:lnB w="3175" cap="flat" cmpd="sng" algn="ctr">
+                      <a:solidFill>
+                        <a:schemeClr val="tx1"/>
+                      </a:solidFill>
+                      <a:prstDash val="solid"/>
+                      <a:round/>
+                      <a:headEnd type="none" w="med" len="med"/>
+                      <a:tailEnd type="none" w="med" len="med"/>
+                    </a:lnB>
+                    <a:noFill/>
+                  </a:tcPr>
+                </a:tc>
+                <a:tc>
+                  <a:txBody>
+                    <a:bodyPr/>
+                    <a:lstStyle/>
+                    <a:p>
+                      <a:r>
+                        <a:rPr lang="en-IN" sz="1200" dirty="0" err="1">
+                          <a:solidFill>
+                            <a:sysClr val="windowText" lastClr="000000"/>
+                          </a:solidFill>
+                          <a:latin typeface="Times New Roman" panose="02020603050405020304" pitchFamily="18" charset="0"/>
+                          <a:cs typeface="Times New Roman" panose="02020603050405020304" pitchFamily="18" charset="0"/>
+                        </a:rPr>
                         <a:t>Int</a:t>
                       </a:r>
-                      <a:endParaRPr lang="en-IN" dirty="0"/>
-                    </a:p>
-                  </a:txBody>
-                  <a:tcPr/>
-                </a:tc>
-                <a:tc>
-                  <a:txBody>
-                    <a:bodyPr/>
-                    <a:lstStyle/>
-                    <a:p>
-                      <a:r>
-                        <a:rPr lang="en-IN" dirty="0"/>
+                      <a:endParaRPr lang="en-IN" sz="1200" dirty="0">
+                        <a:solidFill>
+                          <a:sysClr val="windowText" lastClr="000000"/>
+                        </a:solidFill>
+                        <a:latin typeface="Times New Roman" panose="02020603050405020304" pitchFamily="18" charset="0"/>
+                        <a:cs typeface="Times New Roman" panose="02020603050405020304" pitchFamily="18" charset="0"/>
+                      </a:endParaRPr>
+                    </a:p>
+                  </a:txBody>
+                  <a:tcPr>
+                    <a:lnL w="3175" cap="flat" cmpd="sng" algn="ctr">
+                      <a:solidFill>
+                        <a:schemeClr val="tx1"/>
+                      </a:solidFill>
+                      <a:prstDash val="solid"/>
+                      <a:round/>
+                      <a:headEnd type="none" w="med" len="med"/>
+                      <a:tailEnd type="none" w="med" len="med"/>
+                    </a:lnL>
+                    <a:lnR w="3175" cap="flat" cmpd="sng" algn="ctr">
+                      <a:solidFill>
+                        <a:schemeClr val="tx1"/>
+                      </a:solidFill>
+                      <a:prstDash val="solid"/>
+                      <a:round/>
+                      <a:headEnd type="none" w="med" len="med"/>
+                      <a:tailEnd type="none" w="med" len="med"/>
+                    </a:lnR>
+                    <a:lnT w="3175" cap="flat" cmpd="sng" algn="ctr">
+                      <a:solidFill>
+                        <a:schemeClr val="tx1"/>
+                      </a:solidFill>
+                      <a:prstDash val="solid"/>
+                      <a:round/>
+                      <a:headEnd type="none" w="med" len="med"/>
+                      <a:tailEnd type="none" w="med" len="med"/>
+                    </a:lnT>
+                    <a:lnB w="3175" cap="flat" cmpd="sng" algn="ctr">
+                      <a:solidFill>
+                        <a:schemeClr val="tx1"/>
+                      </a:solidFill>
+                      <a:prstDash val="solid"/>
+                      <a:round/>
+                      <a:headEnd type="none" w="med" len="med"/>
+                      <a:tailEnd type="none" w="med" len="med"/>
+                    </a:lnB>
+                    <a:noFill/>
+                  </a:tcPr>
+                </a:tc>
+                <a:tc>
+                  <a:txBody>
+                    <a:bodyPr/>
+                    <a:lstStyle/>
+                    <a:p>
+                      <a:r>
+                        <a:rPr lang="en-IN" sz="1200" dirty="0">
+                          <a:solidFill>
+                            <a:sysClr val="windowText" lastClr="000000"/>
+                          </a:solidFill>
+                          <a:latin typeface="Times New Roman" panose="02020603050405020304" pitchFamily="18" charset="0"/>
+                          <a:cs typeface="Times New Roman" panose="02020603050405020304" pitchFamily="18" charset="0"/>
+                        </a:rPr>
                         <a:t>5</a:t>
                       </a:r>
-                      <a:endParaRPr lang="en-IN" dirty="0"/>
-                    </a:p>
-                  </a:txBody>
-                  <a:tcPr/>
-                </a:tc>
-                <a:tc>
-                  <a:txBody>
-                    <a:bodyPr/>
-                    <a:lstStyle/>
-                    <a:p>
-                      <a:r>
-                        <a:rPr lang="en-IN" dirty="0"/>
+                    </a:p>
+                  </a:txBody>
+                  <a:tcPr>
+                    <a:lnL w="3175" cap="flat" cmpd="sng" algn="ctr">
+                      <a:solidFill>
+                        <a:schemeClr val="tx1"/>
+                      </a:solidFill>
+                      <a:prstDash val="solid"/>
+                      <a:round/>
+                      <a:headEnd type="none" w="med" len="med"/>
+                      <a:tailEnd type="none" w="med" len="med"/>
+                    </a:lnL>
+                    <a:lnR w="3175" cap="flat" cmpd="sng" algn="ctr">
+                      <a:solidFill>
+                        <a:schemeClr val="tx1"/>
+                      </a:solidFill>
+                      <a:prstDash val="solid"/>
+                      <a:round/>
+                      <a:headEnd type="none" w="med" len="med"/>
+                      <a:tailEnd type="none" w="med" len="med"/>
+                    </a:lnR>
+                    <a:lnT w="3175" cap="flat" cmpd="sng" algn="ctr">
+                      <a:solidFill>
+                        <a:schemeClr val="tx1"/>
+                      </a:solidFill>
+                      <a:prstDash val="solid"/>
+                      <a:round/>
+                      <a:headEnd type="none" w="med" len="med"/>
+                      <a:tailEnd type="none" w="med" len="med"/>
+                    </a:lnT>
+                    <a:lnB w="3175" cap="flat" cmpd="sng" algn="ctr">
+                      <a:solidFill>
+                        <a:schemeClr val="tx1"/>
+                      </a:solidFill>
+                      <a:prstDash val="solid"/>
+                      <a:round/>
+                      <a:headEnd type="none" w="med" len="med"/>
+                      <a:tailEnd type="none" w="med" len="med"/>
+                    </a:lnB>
+                    <a:noFill/>
+                  </a:tcPr>
+                </a:tc>
+                <a:tc>
+                  <a:txBody>
+                    <a:bodyPr/>
+                    <a:lstStyle/>
+                    <a:p>
+                      <a:r>
+                        <a:rPr lang="en-IN" sz="1200" dirty="0">
+                          <a:solidFill>
+                            <a:sysClr val="windowText" lastClr="000000"/>
+                          </a:solidFill>
+                          <a:latin typeface="Times New Roman" panose="02020603050405020304" pitchFamily="18" charset="0"/>
+                          <a:cs typeface="Times New Roman" panose="02020603050405020304" pitchFamily="18" charset="0"/>
+                        </a:rPr>
                         <a:t>Primary</a:t>
                       </a:r>
                       <a:r>
-                        <a:rPr lang="en-IN" baseline="0" dirty="0"/>
+                        <a:rPr lang="en-IN" sz="1200" baseline="0" dirty="0">
+                          <a:solidFill>
+                            <a:sysClr val="windowText" lastClr="000000"/>
+                          </a:solidFill>
+                          <a:latin typeface="Times New Roman" panose="02020603050405020304" pitchFamily="18" charset="0"/>
+                          <a:cs typeface="Times New Roman" panose="02020603050405020304" pitchFamily="18" charset="0"/>
+                        </a:rPr>
                         <a:t> key</a:t>
                       </a:r>
-                      <a:endParaRPr lang="en-IN" dirty="0"/>
-                    </a:p>
-                  </a:txBody>
-                  <a:tcPr/>
+                      <a:endParaRPr lang="en-IN" sz="1200" dirty="0">
+                        <a:solidFill>
+                          <a:sysClr val="windowText" lastClr="000000"/>
+                        </a:solidFill>
+                        <a:latin typeface="Times New Roman" panose="02020603050405020304" pitchFamily="18" charset="0"/>
+                        <a:cs typeface="Times New Roman" panose="02020603050405020304" pitchFamily="18" charset="0"/>
+                      </a:endParaRPr>
+                    </a:p>
+                  </a:txBody>
+                  <a:tcPr>
+                    <a:lnL w="3175" cap="flat" cmpd="sng" algn="ctr">
+                      <a:solidFill>
+                        <a:schemeClr val="tx1"/>
+                      </a:solidFill>
+                      <a:prstDash val="solid"/>
+                      <a:round/>
+                      <a:headEnd type="none" w="med" len="med"/>
+                      <a:tailEnd type="none" w="med" len="med"/>
+                    </a:lnL>
+                    <a:lnR w="3175" cap="flat" cmpd="sng" algn="ctr">
+                      <a:solidFill>
+                        <a:schemeClr val="tx1"/>
+                      </a:solidFill>
+                      <a:prstDash val="solid"/>
+                      <a:round/>
+                      <a:headEnd type="none" w="med" len="med"/>
+                      <a:tailEnd type="none" w="med" len="med"/>
+                    </a:lnR>
+                    <a:lnT w="3175" cap="flat" cmpd="sng" algn="ctr">
+                      <a:solidFill>
+                        <a:schemeClr val="tx1"/>
+                      </a:solidFill>
+                      <a:prstDash val="solid"/>
+                      <a:round/>
+                      <a:headEnd type="none" w="med" len="med"/>
+                      <a:tailEnd type="none" w="med" len="med"/>
+                    </a:lnT>
+                    <a:lnB w="3175" cap="flat" cmpd="sng" algn="ctr">
+                      <a:solidFill>
+                        <a:schemeClr val="tx1"/>
+                      </a:solidFill>
+                      <a:prstDash val="solid"/>
+                      <a:round/>
+                      <a:headEnd type="none" w="med" len="med"/>
+                      <a:tailEnd type="none" w="med" len="med"/>
+                    </a:lnB>
+                    <a:noFill/>
+                  </a:tcPr>
                 </a:tc>
               </a:tr>
               <a:tr h="370840">
@@ -6856,55 +7177,234 @@
                     <a:lstStyle/>
                     <a:p>
                       <a:r>
-                        <a:rPr lang="en-IN" dirty="0"/>
+                        <a:rPr lang="en-IN" sz="1200" dirty="0">
+                          <a:solidFill>
+                            <a:sysClr val="windowText" lastClr="000000"/>
+                          </a:solidFill>
+                          <a:latin typeface="Times New Roman" panose="02020603050405020304" pitchFamily="18" charset="0"/>
+                          <a:cs typeface="Times New Roman" panose="02020603050405020304" pitchFamily="18" charset="0"/>
+                        </a:rPr>
                         <a:t>firstname</a:t>
                       </a:r>
-                      <a:endParaRPr lang="en-IN" dirty="0"/>
-                    </a:p>
-                  </a:txBody>
-                  <a:tcPr/>
-                </a:tc>
-                <a:tc>
-                  <a:txBody>
-                    <a:bodyPr/>
-                    <a:lstStyle/>
-                    <a:p>
-                      <a:r>
-                        <a:rPr lang="en-IN" dirty="0" err="1"/>
+                    </a:p>
+                  </a:txBody>
+                  <a:tcPr>
+                    <a:lnL w="3175" cap="flat" cmpd="sng" algn="ctr">
+                      <a:solidFill>
+                        <a:schemeClr val="tx1"/>
+                      </a:solidFill>
+                      <a:prstDash val="solid"/>
+                      <a:round/>
+                      <a:headEnd type="none" w="med" len="med"/>
+                      <a:tailEnd type="none" w="med" len="med"/>
+                    </a:lnL>
+                    <a:lnR w="3175" cap="flat" cmpd="sng" algn="ctr">
+                      <a:solidFill>
+                        <a:schemeClr val="tx1"/>
+                      </a:solidFill>
+                      <a:prstDash val="solid"/>
+                      <a:round/>
+                      <a:headEnd type="none" w="med" len="med"/>
+                      <a:tailEnd type="none" w="med" len="med"/>
+                    </a:lnR>
+                    <a:lnT w="3175" cap="flat" cmpd="sng" algn="ctr">
+                      <a:solidFill>
+                        <a:schemeClr val="tx1"/>
+                      </a:solidFill>
+                      <a:prstDash val="solid"/>
+                      <a:round/>
+                      <a:headEnd type="none" w="med" len="med"/>
+                      <a:tailEnd type="none" w="med" len="med"/>
+                    </a:lnT>
+                    <a:lnB w="3175" cap="flat" cmpd="sng" algn="ctr">
+                      <a:solidFill>
+                        <a:schemeClr val="tx1"/>
+                      </a:solidFill>
+                      <a:prstDash val="solid"/>
+                      <a:round/>
+                      <a:headEnd type="none" w="med" len="med"/>
+                      <a:tailEnd type="none" w="med" len="med"/>
+                    </a:lnB>
+                    <a:noFill/>
+                  </a:tcPr>
+                </a:tc>
+                <a:tc>
+                  <a:txBody>
+                    <a:bodyPr/>
+                    <a:lstStyle/>
+                    <a:p>
+                      <a:r>
+                        <a:rPr lang="en-IN" sz="1200" dirty="0" err="1">
+                          <a:solidFill>
+                            <a:sysClr val="windowText" lastClr="000000"/>
+                          </a:solidFill>
+                          <a:latin typeface="Times New Roman" panose="02020603050405020304" pitchFamily="18" charset="0"/>
+                          <a:cs typeface="Times New Roman" panose="02020603050405020304" pitchFamily="18" charset="0"/>
+                        </a:rPr>
                         <a:t>Varchar</a:t>
                       </a:r>
-                      <a:endParaRPr lang="en-IN" dirty="0"/>
-                    </a:p>
-                  </a:txBody>
-                  <a:tcPr/>
-                </a:tc>
-                <a:tc>
-                  <a:txBody>
-                    <a:bodyPr/>
-                    <a:lstStyle/>
-                    <a:p>
-                      <a:r>
-                        <a:rPr lang="en-IN" dirty="0"/>
+                      <a:endParaRPr lang="en-IN" sz="1200" dirty="0">
+                        <a:solidFill>
+                          <a:sysClr val="windowText" lastClr="000000"/>
+                        </a:solidFill>
+                        <a:latin typeface="Times New Roman" panose="02020603050405020304" pitchFamily="18" charset="0"/>
+                        <a:cs typeface="Times New Roman" panose="02020603050405020304" pitchFamily="18" charset="0"/>
+                      </a:endParaRPr>
+                    </a:p>
+                  </a:txBody>
+                  <a:tcPr>
+                    <a:lnL w="3175" cap="flat" cmpd="sng" algn="ctr">
+                      <a:solidFill>
+                        <a:schemeClr val="tx1"/>
+                      </a:solidFill>
+                      <a:prstDash val="solid"/>
+                      <a:round/>
+                      <a:headEnd type="none" w="med" len="med"/>
+                      <a:tailEnd type="none" w="med" len="med"/>
+                    </a:lnL>
+                    <a:lnR w="3175" cap="flat" cmpd="sng" algn="ctr">
+                      <a:solidFill>
+                        <a:schemeClr val="tx1"/>
+                      </a:solidFill>
+                      <a:prstDash val="solid"/>
+                      <a:round/>
+                      <a:headEnd type="none" w="med" len="med"/>
+                      <a:tailEnd type="none" w="med" len="med"/>
+                    </a:lnR>
+                    <a:lnT w="3175" cap="flat" cmpd="sng" algn="ctr">
+                      <a:solidFill>
+                        <a:schemeClr val="tx1"/>
+                      </a:solidFill>
+                      <a:prstDash val="solid"/>
+                      <a:round/>
+                      <a:headEnd type="none" w="med" len="med"/>
+                      <a:tailEnd type="none" w="med" len="med"/>
+                    </a:lnT>
+                    <a:lnB w="3175" cap="flat" cmpd="sng" algn="ctr">
+                      <a:solidFill>
+                        <a:schemeClr val="tx1"/>
+                      </a:solidFill>
+                      <a:prstDash val="solid"/>
+                      <a:round/>
+                      <a:headEnd type="none" w="med" len="med"/>
+                      <a:tailEnd type="none" w="med" len="med"/>
+                    </a:lnB>
+                    <a:noFill/>
+                  </a:tcPr>
+                </a:tc>
+                <a:tc>
+                  <a:txBody>
+                    <a:bodyPr/>
+                    <a:lstStyle/>
+                    <a:p>
+                      <a:r>
+                        <a:rPr lang="en-IN" sz="1200" dirty="0">
+                          <a:solidFill>
+                            <a:sysClr val="windowText" lastClr="000000"/>
+                          </a:solidFill>
+                          <a:latin typeface="Times New Roman" panose="02020603050405020304" pitchFamily="18" charset="0"/>
+                          <a:cs typeface="Times New Roman" panose="02020603050405020304" pitchFamily="18" charset="0"/>
+                        </a:rPr>
                         <a:t>30</a:t>
                       </a:r>
-                      <a:endParaRPr lang="en-IN" dirty="0"/>
-                    </a:p>
-                  </a:txBody>
-                  <a:tcPr/>
-                </a:tc>
-                <a:tc>
-                  <a:txBody>
-                    <a:bodyPr/>
-                    <a:lstStyle/>
-                    <a:p>
-                      <a:r>
-                        <a:rPr lang="en-IN" dirty="0"/>
+                    </a:p>
+                  </a:txBody>
+                  <a:tcPr>
+                    <a:lnL w="3175" cap="flat" cmpd="sng" algn="ctr">
+                      <a:solidFill>
+                        <a:schemeClr val="tx1"/>
+                      </a:solidFill>
+                      <a:prstDash val="solid"/>
+                      <a:round/>
+                      <a:headEnd type="none" w="med" len="med"/>
+                      <a:tailEnd type="none" w="med" len="med"/>
+                    </a:lnL>
+                    <a:lnR w="3175" cap="flat" cmpd="sng" algn="ctr">
+                      <a:solidFill>
+                        <a:schemeClr val="tx1"/>
+                      </a:solidFill>
+                      <a:prstDash val="solid"/>
+                      <a:round/>
+                      <a:headEnd type="none" w="med" len="med"/>
+                      <a:tailEnd type="none" w="med" len="med"/>
+                    </a:lnR>
+                    <a:lnT w="3175" cap="flat" cmpd="sng" algn="ctr">
+                      <a:solidFill>
+                        <a:schemeClr val="tx1"/>
+                      </a:solidFill>
+                      <a:prstDash val="solid"/>
+                      <a:round/>
+                      <a:headEnd type="none" w="med" len="med"/>
+                      <a:tailEnd type="none" w="med" len="med"/>
+                    </a:lnT>
+                    <a:lnB w="3175" cap="flat" cmpd="sng" algn="ctr">
+                      <a:solidFill>
+                        <a:schemeClr val="tx1"/>
+                      </a:solidFill>
+                      <a:prstDash val="solid"/>
+                      <a:round/>
+                      <a:headEnd type="none" w="med" len="med"/>
+                      <a:tailEnd type="none" w="med" len="med"/>
+                    </a:lnB>
+                    <a:noFill/>
+                  </a:tcPr>
+                </a:tc>
+                <a:tc>
+                  <a:txBody>
+                    <a:bodyPr/>
+                    <a:lstStyle/>
+                    <a:p>
+                      <a:r>
+                        <a:rPr lang="en-IN" sz="1200" dirty="0">
+                          <a:solidFill>
+                            <a:sysClr val="windowText" lastClr="000000"/>
+                          </a:solidFill>
+                          <a:latin typeface="Times New Roman" panose="02020603050405020304" pitchFamily="18" charset="0"/>
+                          <a:cs typeface="Times New Roman" panose="02020603050405020304" pitchFamily="18" charset="0"/>
+                        </a:rPr>
                         <a:t>Not null</a:t>
                       </a:r>
-                      <a:endParaRPr lang="en-IN" dirty="0"/>
-                    </a:p>
-                  </a:txBody>
-                  <a:tcPr/>
+                    </a:p>
+                  </a:txBody>
+                  <a:tcPr>
+                    <a:lnL w="3175" cap="flat" cmpd="sng" algn="ctr">
+                      <a:solidFill>
+                        <a:schemeClr val="tx1"/>
+                      </a:solidFill>
+                      <a:prstDash val="solid"/>
+                      <a:round/>
+                      <a:headEnd type="none" w="med" len="med"/>
+                      <a:tailEnd type="none" w="med" len="med"/>
+                    </a:lnL>
+                    <a:lnR w="3175" cap="flat" cmpd="sng" algn="ctr">
+                      <a:solidFill>
+                        <a:schemeClr val="tx1"/>
+                      </a:solidFill>
+                      <a:prstDash val="solid"/>
+                      <a:round/>
+                      <a:headEnd type="none" w="med" len="med"/>
+                      <a:tailEnd type="none" w="med" len="med"/>
+                    </a:lnR>
+                    <a:lnT w="3175" cap="flat" cmpd="sng" algn="ctr">
+                      <a:solidFill>
+                        <a:schemeClr val="tx1"/>
+                      </a:solidFill>
+                      <a:prstDash val="solid"/>
+                      <a:round/>
+                      <a:headEnd type="none" w="med" len="med"/>
+                      <a:tailEnd type="none" w="med" len="med"/>
+                    </a:lnT>
+                    <a:lnB w="3175" cap="flat" cmpd="sng" algn="ctr">
+                      <a:solidFill>
+                        <a:schemeClr val="tx1"/>
+                      </a:solidFill>
+                      <a:prstDash val="solid"/>
+                      <a:round/>
+                      <a:headEnd type="none" w="med" len="med"/>
+                      <a:tailEnd type="none" w="med" len="med"/>
+                    </a:lnB>
+                    <a:noFill/>
+                  </a:tcPr>
                 </a:tc>
               </a:tr>
               <a:tr h="490006">
@@ -6914,13 +7414,56 @@
                     <a:lstStyle/>
                     <a:p>
                       <a:r>
-                        <a:rPr lang="en-IN" dirty="0"/>
+                        <a:rPr lang="en-IN" sz="1200" dirty="0">
+                          <a:solidFill>
+                            <a:sysClr val="windowText" lastClr="000000"/>
+                          </a:solidFill>
+                          <a:latin typeface="Times New Roman" panose="02020603050405020304" pitchFamily="18" charset="0"/>
+                          <a:cs typeface="Times New Roman" panose="02020603050405020304" pitchFamily="18" charset="0"/>
+                        </a:rPr>
                         <a:t>last name</a:t>
                       </a:r>
-                      <a:endParaRPr lang="en-IN" dirty="0"/>
-                    </a:p>
-                  </a:txBody>
-                  <a:tcPr/>
+                    </a:p>
+                  </a:txBody>
+                  <a:tcPr>
+                    <a:lnL w="3175" cap="flat" cmpd="sng" algn="ctr">
+                      <a:solidFill>
+                        <a:schemeClr val="tx1"/>
+                      </a:solidFill>
+                      <a:prstDash val="solid"/>
+                      <a:round/>
+                      <a:headEnd type="none" w="med" len="med"/>
+                      <a:tailEnd type="none" w="med" len="med"/>
+                    </a:lnL>
+                    <a:lnR w="3175" cap="flat" cmpd="sng" algn="ctr">
+                      <a:solidFill>
+                        <a:schemeClr val="tx1"/>
+                      </a:solidFill>
+                      <a:prstDash val="solid"/>
+                      <a:round/>
+                      <a:headEnd type="none" w="med" len="med"/>
+                      <a:tailEnd type="none" w="med" len="med"/>
+                    </a:lnR>
+                    <a:lnT w="3175" cap="flat" cmpd="sng" algn="ctr">
+                      <a:solidFill>
+                        <a:schemeClr val="tx1"/>
+                      </a:solidFill>
+                      <a:prstDash val="solid"/>
+                      <a:round/>
+                      <a:headEnd type="none" w="med" len="med"/>
+                      <a:tailEnd type="none" w="med" len="med"/>
+                    </a:lnT>
+                    <a:lnB w="3175" cap="flat" cmpd="sng" algn="ctr">
+                      <a:solidFill>
+                        <a:schemeClr val="tx1"/>
+                      </a:solidFill>
+                      <a:prstDash val="solid"/>
+                      <a:round/>
+                      <a:headEnd type="none" w="med" len="med"/>
+                      <a:tailEnd type="none" w="med" len="med"/>
+                    </a:lnB>
+                    <a:noFill/>
+                  </a:tcPr>
                 </a:tc>
                 <a:tc>
                   <a:txBody>
@@ -6944,30 +7487,129 @@
                         <a:defRPr/>
                       </a:pPr>
                       <a:r>
-                        <a:rPr lang="en-IN" dirty="0" err="1"/>
+                        <a:rPr lang="en-IN" sz="1200" dirty="0" err="1">
+                          <a:solidFill>
+                            <a:sysClr val="windowText" lastClr="000000"/>
+                          </a:solidFill>
+                          <a:latin typeface="Times New Roman" panose="02020603050405020304" pitchFamily="18" charset="0"/>
+                          <a:cs typeface="Times New Roman" panose="02020603050405020304" pitchFamily="18" charset="0"/>
+                        </a:rPr>
                         <a:t>Varchar</a:t>
                       </a:r>
-                      <a:endParaRPr lang="en-IN" dirty="0"/>
-                    </a:p>
-                    <a:p>
-                      <a:endParaRPr lang="en-IN" dirty="0"/>
-                    </a:p>
-                  </a:txBody>
-                  <a:tcPr/>
-                </a:tc>
-                <a:tc>
-                  <a:txBody>
-                    <a:bodyPr/>
-                    <a:lstStyle/>
-                    <a:p>
-                      <a:r>
-                        <a:rPr lang="en-IN" dirty="0"/>
+                      <a:endParaRPr lang="en-IN" sz="1200" dirty="0">
+                        <a:solidFill>
+                          <a:sysClr val="windowText" lastClr="000000"/>
+                        </a:solidFill>
+                        <a:latin typeface="Times New Roman" panose="02020603050405020304" pitchFamily="18" charset="0"/>
+                        <a:cs typeface="Times New Roman" panose="02020603050405020304" pitchFamily="18" charset="0"/>
+                      </a:endParaRPr>
+                    </a:p>
+                    <a:p>
+                      <a:endParaRPr lang="en-IN" sz="1200" dirty="0">
+                        <a:solidFill>
+                          <a:sysClr val="windowText" lastClr="000000"/>
+                        </a:solidFill>
+                        <a:latin typeface="Times New Roman" panose="02020603050405020304" pitchFamily="18" charset="0"/>
+                        <a:cs typeface="Times New Roman" panose="02020603050405020304" pitchFamily="18" charset="0"/>
+                      </a:endParaRPr>
+                    </a:p>
+                  </a:txBody>
+                  <a:tcPr>
+                    <a:lnL w="3175" cap="flat" cmpd="sng" algn="ctr">
+                      <a:solidFill>
+                        <a:schemeClr val="tx1"/>
+                      </a:solidFill>
+                      <a:prstDash val="solid"/>
+                      <a:round/>
+                      <a:headEnd type="none" w="med" len="med"/>
+                      <a:tailEnd type="none" w="med" len="med"/>
+                    </a:lnL>
+                    <a:lnR w="3175" cap="flat" cmpd="sng" algn="ctr">
+                      <a:solidFill>
+                        <a:schemeClr val="tx1"/>
+                      </a:solidFill>
+                      <a:prstDash val="solid"/>
+                      <a:round/>
+                      <a:headEnd type="none" w="med" len="med"/>
+                      <a:tailEnd type="none" w="med" len="med"/>
+                    </a:lnR>
+                    <a:lnT w="3175" cap="flat" cmpd="sng" algn="ctr">
+                      <a:solidFill>
+                        <a:schemeClr val="tx1"/>
+                      </a:solidFill>
+                      <a:prstDash val="solid"/>
+                      <a:round/>
+                      <a:headEnd type="none" w="med" len="med"/>
+                      <a:tailEnd type="none" w="med" len="med"/>
+                    </a:lnT>
+                    <a:lnB w="3175" cap="flat" cmpd="sng" algn="ctr">
+                      <a:solidFill>
+                        <a:schemeClr val="tx1"/>
+                      </a:solidFill>
+                      <a:prstDash val="solid"/>
+                      <a:round/>
+                      <a:headEnd type="none" w="med" len="med"/>
+                      <a:tailEnd type="none" w="med" len="med"/>
+                    </a:lnB>
+                    <a:noFill/>
+                  </a:tcPr>
+                </a:tc>
+                <a:tc>
+                  <a:txBody>
+                    <a:bodyPr/>
+                    <a:lstStyle/>
+                    <a:p>
+                      <a:r>
+                        <a:rPr lang="en-IN" sz="1200" dirty="0">
+                          <a:solidFill>
+                            <a:sysClr val="windowText" lastClr="000000"/>
+                          </a:solidFill>
+                          <a:latin typeface="Times New Roman" panose="02020603050405020304" pitchFamily="18" charset="0"/>
+                          <a:cs typeface="Times New Roman" panose="02020603050405020304" pitchFamily="18" charset="0"/>
+                        </a:rPr>
                         <a:t>30</a:t>
                       </a:r>
-                      <a:endParaRPr lang="en-IN" dirty="0"/>
-                    </a:p>
-                  </a:txBody>
-                  <a:tcPr/>
+                    </a:p>
+                  </a:txBody>
+                  <a:tcPr>
+                    <a:lnL w="3175" cap="flat" cmpd="sng" algn="ctr">
+                      <a:solidFill>
+                        <a:schemeClr val="tx1"/>
+                      </a:solidFill>
+                      <a:prstDash val="solid"/>
+                      <a:round/>
+                      <a:headEnd type="none" w="med" len="med"/>
+                      <a:tailEnd type="none" w="med" len="med"/>
+                    </a:lnL>
+                    <a:lnR w="3175" cap="flat" cmpd="sng" algn="ctr">
+                      <a:solidFill>
+                        <a:schemeClr val="tx1"/>
+                      </a:solidFill>
+                      <a:prstDash val="solid"/>
+                      <a:round/>
+                      <a:headEnd type="none" w="med" len="med"/>
+                      <a:tailEnd type="none" w="med" len="med"/>
+                    </a:lnR>
+                    <a:lnT w="3175" cap="flat" cmpd="sng" algn="ctr">
+                      <a:solidFill>
+                        <a:schemeClr val="tx1"/>
+                      </a:solidFill>
+                      <a:prstDash val="solid"/>
+                      <a:round/>
+                      <a:headEnd type="none" w="med" len="med"/>
+                      <a:tailEnd type="none" w="med" len="med"/>
+                    </a:lnT>
+                    <a:lnB w="3175" cap="flat" cmpd="sng" algn="ctr">
+                      <a:solidFill>
+                        <a:schemeClr val="tx1"/>
+                      </a:solidFill>
+                      <a:prstDash val="solid"/>
+                      <a:round/>
+                      <a:headEnd type="none" w="med" len="med"/>
+                      <a:tailEnd type="none" w="med" len="med"/>
+                    </a:lnB>
+                    <a:noFill/>
+                  </a:tcPr>
                 </a:tc>
                 <a:tc>
                   <a:txBody>
@@ -6991,13 +7633,56 @@
                         <a:defRPr/>
                       </a:pPr>
                       <a:r>
-                        <a:rPr lang="en-IN" dirty="0"/>
+                        <a:rPr lang="en-IN" sz="1200" dirty="0">
+                          <a:solidFill>
+                            <a:sysClr val="windowText" lastClr="000000"/>
+                          </a:solidFill>
+                          <a:latin typeface="Times New Roman" panose="02020603050405020304" pitchFamily="18" charset="0"/>
+                          <a:cs typeface="Times New Roman" panose="02020603050405020304" pitchFamily="18" charset="0"/>
+                        </a:rPr>
                         <a:t>Not null</a:t>
                       </a:r>
-                      <a:endParaRPr lang="en-IN" dirty="0"/>
-                    </a:p>
-                  </a:txBody>
-                  <a:tcPr/>
+                    </a:p>
+                  </a:txBody>
+                  <a:tcPr>
+                    <a:lnL w="3175" cap="flat" cmpd="sng" algn="ctr">
+                      <a:solidFill>
+                        <a:schemeClr val="tx1"/>
+                      </a:solidFill>
+                      <a:prstDash val="solid"/>
+                      <a:round/>
+                      <a:headEnd type="none" w="med" len="med"/>
+                      <a:tailEnd type="none" w="med" len="med"/>
+                    </a:lnL>
+                    <a:lnR w="3175" cap="flat" cmpd="sng" algn="ctr">
+                      <a:solidFill>
+                        <a:schemeClr val="tx1"/>
+                      </a:solidFill>
+                      <a:prstDash val="solid"/>
+                      <a:round/>
+                      <a:headEnd type="none" w="med" len="med"/>
+                      <a:tailEnd type="none" w="med" len="med"/>
+                    </a:lnR>
+                    <a:lnT w="3175" cap="flat" cmpd="sng" algn="ctr">
+                      <a:solidFill>
+                        <a:schemeClr val="tx1"/>
+                      </a:solidFill>
+                      <a:prstDash val="solid"/>
+                      <a:round/>
+                      <a:headEnd type="none" w="med" len="med"/>
+                      <a:tailEnd type="none" w="med" len="med"/>
+                    </a:lnT>
+                    <a:lnB w="3175" cap="flat" cmpd="sng" algn="ctr">
+                      <a:solidFill>
+                        <a:schemeClr val="tx1"/>
+                      </a:solidFill>
+                      <a:prstDash val="solid"/>
+                      <a:round/>
+                      <a:headEnd type="none" w="med" len="med"/>
+                      <a:tailEnd type="none" w="med" len="med"/>
+                    </a:lnB>
+                    <a:noFill/>
+                  </a:tcPr>
                 </a:tc>
               </a:tr>
               <a:tr h="370840">
@@ -7007,55 +7692,227 @@
                     <a:lstStyle/>
                     <a:p>
                       <a:r>
-                        <a:rPr lang="en-IN" dirty="0"/>
+                        <a:rPr lang="en-IN" sz="1200" dirty="0">
+                          <a:solidFill>
+                            <a:sysClr val="windowText" lastClr="000000"/>
+                          </a:solidFill>
+                          <a:latin typeface="Times New Roman" panose="02020603050405020304" pitchFamily="18" charset="0"/>
+                          <a:cs typeface="Times New Roman" panose="02020603050405020304" pitchFamily="18" charset="0"/>
+                        </a:rPr>
                         <a:t>email</a:t>
                       </a:r>
-                      <a:endParaRPr lang="en-IN" dirty="0"/>
-                    </a:p>
-                  </a:txBody>
-                  <a:tcPr/>
-                </a:tc>
-                <a:tc>
-                  <a:txBody>
-                    <a:bodyPr/>
-                    <a:lstStyle/>
-                    <a:p>
-                      <a:r>
-                        <a:rPr lang="en-IN" dirty="0"/>
+                    </a:p>
+                  </a:txBody>
+                  <a:tcPr>
+                    <a:lnL w="3175" cap="flat" cmpd="sng" algn="ctr">
+                      <a:solidFill>
+                        <a:schemeClr val="tx1"/>
+                      </a:solidFill>
+                      <a:prstDash val="solid"/>
+                      <a:round/>
+                      <a:headEnd type="none" w="med" len="med"/>
+                      <a:tailEnd type="none" w="med" len="med"/>
+                    </a:lnL>
+                    <a:lnR w="3175" cap="flat" cmpd="sng" algn="ctr">
+                      <a:solidFill>
+                        <a:schemeClr val="tx1"/>
+                      </a:solidFill>
+                      <a:prstDash val="solid"/>
+                      <a:round/>
+                      <a:headEnd type="none" w="med" len="med"/>
+                      <a:tailEnd type="none" w="med" len="med"/>
+                    </a:lnR>
+                    <a:lnT w="3175" cap="flat" cmpd="sng" algn="ctr">
+                      <a:solidFill>
+                        <a:schemeClr val="tx1"/>
+                      </a:solidFill>
+                      <a:prstDash val="solid"/>
+                      <a:round/>
+                      <a:headEnd type="none" w="med" len="med"/>
+                      <a:tailEnd type="none" w="med" len="med"/>
+                    </a:lnT>
+                    <a:lnB w="3175" cap="flat" cmpd="sng" algn="ctr">
+                      <a:solidFill>
+                        <a:schemeClr val="tx1"/>
+                      </a:solidFill>
+                      <a:prstDash val="solid"/>
+                      <a:round/>
+                      <a:headEnd type="none" w="med" len="med"/>
+                      <a:tailEnd type="none" w="med" len="med"/>
+                    </a:lnB>
+                    <a:noFill/>
+                  </a:tcPr>
+                </a:tc>
+                <a:tc>
+                  <a:txBody>
+                    <a:bodyPr/>
+                    <a:lstStyle/>
+                    <a:p>
+                      <a:r>
+                        <a:rPr lang="en-IN" sz="1200" dirty="0">
+                          <a:solidFill>
+                            <a:sysClr val="windowText" lastClr="000000"/>
+                          </a:solidFill>
+                          <a:latin typeface="Times New Roman" panose="02020603050405020304" pitchFamily="18" charset="0"/>
+                          <a:cs typeface="Times New Roman" panose="02020603050405020304" pitchFamily="18" charset="0"/>
+                        </a:rPr>
                         <a:t>Varchar</a:t>
                       </a:r>
-                      <a:endParaRPr lang="en-IN" dirty="0"/>
-                    </a:p>
-                  </a:txBody>
-                  <a:tcPr/>
-                </a:tc>
-                <a:tc>
-                  <a:txBody>
-                    <a:bodyPr/>
-                    <a:lstStyle/>
-                    <a:p>
-                      <a:r>
-                        <a:rPr lang="en-IN" dirty="0"/>
+                    </a:p>
+                  </a:txBody>
+                  <a:tcPr>
+                    <a:lnL w="3175" cap="flat" cmpd="sng" algn="ctr">
+                      <a:solidFill>
+                        <a:schemeClr val="tx1"/>
+                      </a:solidFill>
+                      <a:prstDash val="solid"/>
+                      <a:round/>
+                      <a:headEnd type="none" w="med" len="med"/>
+                      <a:tailEnd type="none" w="med" len="med"/>
+                    </a:lnL>
+                    <a:lnR w="3175" cap="flat" cmpd="sng" algn="ctr">
+                      <a:solidFill>
+                        <a:schemeClr val="tx1"/>
+                      </a:solidFill>
+                      <a:prstDash val="solid"/>
+                      <a:round/>
+                      <a:headEnd type="none" w="med" len="med"/>
+                      <a:tailEnd type="none" w="med" len="med"/>
+                    </a:lnR>
+                    <a:lnT w="3175" cap="flat" cmpd="sng" algn="ctr">
+                      <a:solidFill>
+                        <a:schemeClr val="tx1"/>
+                      </a:solidFill>
+                      <a:prstDash val="solid"/>
+                      <a:round/>
+                      <a:headEnd type="none" w="med" len="med"/>
+                      <a:tailEnd type="none" w="med" len="med"/>
+                    </a:lnT>
+                    <a:lnB w="3175" cap="flat" cmpd="sng" algn="ctr">
+                      <a:solidFill>
+                        <a:schemeClr val="tx1"/>
+                      </a:solidFill>
+                      <a:prstDash val="solid"/>
+                      <a:round/>
+                      <a:headEnd type="none" w="med" len="med"/>
+                      <a:tailEnd type="none" w="med" len="med"/>
+                    </a:lnB>
+                    <a:noFill/>
+                  </a:tcPr>
+                </a:tc>
+                <a:tc>
+                  <a:txBody>
+                    <a:bodyPr/>
+                    <a:lstStyle/>
+                    <a:p>
+                      <a:r>
+                        <a:rPr lang="en-IN" sz="1200" dirty="0">
+                          <a:solidFill>
+                            <a:sysClr val="windowText" lastClr="000000"/>
+                          </a:solidFill>
+                          <a:latin typeface="Times New Roman" panose="02020603050405020304" pitchFamily="18" charset="0"/>
+                          <a:cs typeface="Times New Roman" panose="02020603050405020304" pitchFamily="18" charset="0"/>
+                        </a:rPr>
                         <a:t>30</a:t>
                       </a:r>
-                      <a:endParaRPr lang="en-IN" dirty="0"/>
-                    </a:p>
-                  </a:txBody>
-                  <a:tcPr/>
-                </a:tc>
-                <a:tc>
-                  <a:txBody>
-                    <a:bodyPr/>
-                    <a:lstStyle/>
-                    <a:p>
-                      <a:r>
-                        <a:rPr lang="en-IN" dirty="0"/>
+                    </a:p>
+                  </a:txBody>
+                  <a:tcPr>
+                    <a:lnL w="3175" cap="flat" cmpd="sng" algn="ctr">
+                      <a:solidFill>
+                        <a:schemeClr val="tx1"/>
+                      </a:solidFill>
+                      <a:prstDash val="solid"/>
+                      <a:round/>
+                      <a:headEnd type="none" w="med" len="med"/>
+                      <a:tailEnd type="none" w="med" len="med"/>
+                    </a:lnL>
+                    <a:lnR w="3175" cap="flat" cmpd="sng" algn="ctr">
+                      <a:solidFill>
+                        <a:schemeClr val="tx1"/>
+                      </a:solidFill>
+                      <a:prstDash val="solid"/>
+                      <a:round/>
+                      <a:headEnd type="none" w="med" len="med"/>
+                      <a:tailEnd type="none" w="med" len="med"/>
+                    </a:lnR>
+                    <a:lnT w="3175" cap="flat" cmpd="sng" algn="ctr">
+                      <a:solidFill>
+                        <a:schemeClr val="tx1"/>
+                      </a:solidFill>
+                      <a:prstDash val="solid"/>
+                      <a:round/>
+                      <a:headEnd type="none" w="med" len="med"/>
+                      <a:tailEnd type="none" w="med" len="med"/>
+                    </a:lnT>
+                    <a:lnB w="3175" cap="flat" cmpd="sng" algn="ctr">
+                      <a:solidFill>
+                        <a:schemeClr val="tx1"/>
+                      </a:solidFill>
+                      <a:prstDash val="solid"/>
+                      <a:round/>
+                      <a:headEnd type="none" w="med" len="med"/>
+                      <a:tailEnd type="none" w="med" len="med"/>
+                    </a:lnB>
+                    <a:noFill/>
+                  </a:tcPr>
+                </a:tc>
+                <a:tc>
+                  <a:txBody>
+                    <a:bodyPr/>
+                    <a:lstStyle/>
+                    <a:p>
+                      <a:r>
+                        <a:rPr lang="en-IN" sz="1200" dirty="0">
+                          <a:solidFill>
+                            <a:sysClr val="windowText" lastClr="000000"/>
+                          </a:solidFill>
+                          <a:latin typeface="Times New Roman" panose="02020603050405020304" pitchFamily="18" charset="0"/>
+                          <a:cs typeface="Times New Roman" panose="02020603050405020304" pitchFamily="18" charset="0"/>
+                        </a:rPr>
                         <a:t>Not null</a:t>
                       </a:r>
-                      <a:endParaRPr lang="en-IN" dirty="0"/>
-                    </a:p>
-                  </a:txBody>
-                  <a:tcPr/>
+                    </a:p>
+                  </a:txBody>
+                  <a:tcPr>
+                    <a:lnL w="3175" cap="flat" cmpd="sng" algn="ctr">
+                      <a:solidFill>
+                        <a:schemeClr val="tx1"/>
+                      </a:solidFill>
+                      <a:prstDash val="solid"/>
+                      <a:round/>
+                      <a:headEnd type="none" w="med" len="med"/>
+                      <a:tailEnd type="none" w="med" len="med"/>
+                    </a:lnL>
+                    <a:lnR w="3175" cap="flat" cmpd="sng" algn="ctr">
+                      <a:solidFill>
+                        <a:schemeClr val="tx1"/>
+                      </a:solidFill>
+                      <a:prstDash val="solid"/>
+                      <a:round/>
+                      <a:headEnd type="none" w="med" len="med"/>
+                      <a:tailEnd type="none" w="med" len="med"/>
+                    </a:lnR>
+                    <a:lnT w="3175" cap="flat" cmpd="sng" algn="ctr">
+                      <a:solidFill>
+                        <a:schemeClr val="tx1"/>
+                      </a:solidFill>
+                      <a:prstDash val="solid"/>
+                      <a:round/>
+                      <a:headEnd type="none" w="med" len="med"/>
+                      <a:tailEnd type="none" w="med" len="med"/>
+                    </a:lnT>
+                    <a:lnB w="3175" cap="flat" cmpd="sng" algn="ctr">
+                      <a:solidFill>
+                        <a:schemeClr val="tx1"/>
+                      </a:solidFill>
+                      <a:prstDash val="solid"/>
+                      <a:round/>
+                      <a:headEnd type="none" w="med" len="med"/>
+                      <a:tailEnd type="none" w="med" len="med"/>
+                    </a:lnB>
+                    <a:noFill/>
+                  </a:tcPr>
                 </a:tc>
               </a:tr>
               <a:tr h="370840">
@@ -7065,55 +7922,234 @@
                     <a:lstStyle/>
                     <a:p>
                       <a:r>
-                        <a:rPr lang="en-IN" dirty="0"/>
+                        <a:rPr lang="en-IN" sz="1200" dirty="0">
+                          <a:solidFill>
+                            <a:sysClr val="windowText" lastClr="000000"/>
+                          </a:solidFill>
+                          <a:latin typeface="Times New Roman" panose="02020603050405020304" pitchFamily="18" charset="0"/>
+                          <a:cs typeface="Times New Roman" panose="02020603050405020304" pitchFamily="18" charset="0"/>
+                        </a:rPr>
                         <a:t>Password</a:t>
                       </a:r>
-                      <a:endParaRPr lang="en-IN" dirty="0"/>
-                    </a:p>
-                  </a:txBody>
-                  <a:tcPr/>
-                </a:tc>
-                <a:tc>
-                  <a:txBody>
-                    <a:bodyPr/>
-                    <a:lstStyle/>
-                    <a:p>
-                      <a:r>
-                        <a:rPr lang="en-IN" dirty="0" err="1"/>
+                    </a:p>
+                  </a:txBody>
+                  <a:tcPr>
+                    <a:lnL w="3175" cap="flat" cmpd="sng" algn="ctr">
+                      <a:solidFill>
+                        <a:schemeClr val="tx1"/>
+                      </a:solidFill>
+                      <a:prstDash val="solid"/>
+                      <a:round/>
+                      <a:headEnd type="none" w="med" len="med"/>
+                      <a:tailEnd type="none" w="med" len="med"/>
+                    </a:lnL>
+                    <a:lnR w="3175" cap="flat" cmpd="sng" algn="ctr">
+                      <a:solidFill>
+                        <a:schemeClr val="tx1"/>
+                      </a:solidFill>
+                      <a:prstDash val="solid"/>
+                      <a:round/>
+                      <a:headEnd type="none" w="med" len="med"/>
+                      <a:tailEnd type="none" w="med" len="med"/>
+                    </a:lnR>
+                    <a:lnT w="3175" cap="flat" cmpd="sng" algn="ctr">
+                      <a:solidFill>
+                        <a:schemeClr val="tx1"/>
+                      </a:solidFill>
+                      <a:prstDash val="solid"/>
+                      <a:round/>
+                      <a:headEnd type="none" w="med" len="med"/>
+                      <a:tailEnd type="none" w="med" len="med"/>
+                    </a:lnT>
+                    <a:lnB w="3175" cap="flat" cmpd="sng" algn="ctr">
+                      <a:solidFill>
+                        <a:schemeClr val="tx1"/>
+                      </a:solidFill>
+                      <a:prstDash val="solid"/>
+                      <a:round/>
+                      <a:headEnd type="none" w="med" len="med"/>
+                      <a:tailEnd type="none" w="med" len="med"/>
+                    </a:lnB>
+                    <a:noFill/>
+                  </a:tcPr>
+                </a:tc>
+                <a:tc>
+                  <a:txBody>
+                    <a:bodyPr/>
+                    <a:lstStyle/>
+                    <a:p>
+                      <a:r>
+                        <a:rPr lang="en-IN" sz="1200" dirty="0" err="1">
+                          <a:solidFill>
+                            <a:sysClr val="windowText" lastClr="000000"/>
+                          </a:solidFill>
+                          <a:latin typeface="Times New Roman" panose="02020603050405020304" pitchFamily="18" charset="0"/>
+                          <a:cs typeface="Times New Roman" panose="02020603050405020304" pitchFamily="18" charset="0"/>
+                        </a:rPr>
                         <a:t>Varchar</a:t>
                       </a:r>
-                      <a:endParaRPr lang="en-IN" dirty="0"/>
-                    </a:p>
-                  </a:txBody>
-                  <a:tcPr/>
-                </a:tc>
-                <a:tc>
-                  <a:txBody>
-                    <a:bodyPr/>
-                    <a:lstStyle/>
-                    <a:p>
-                      <a:r>
-                        <a:rPr lang="en-IN" dirty="0"/>
+                      <a:endParaRPr lang="en-IN" sz="1200" dirty="0">
+                        <a:solidFill>
+                          <a:sysClr val="windowText" lastClr="000000"/>
+                        </a:solidFill>
+                        <a:latin typeface="Times New Roman" panose="02020603050405020304" pitchFamily="18" charset="0"/>
+                        <a:cs typeface="Times New Roman" panose="02020603050405020304" pitchFamily="18" charset="0"/>
+                      </a:endParaRPr>
+                    </a:p>
+                  </a:txBody>
+                  <a:tcPr>
+                    <a:lnL w="3175" cap="flat" cmpd="sng" algn="ctr">
+                      <a:solidFill>
+                        <a:schemeClr val="tx1"/>
+                      </a:solidFill>
+                      <a:prstDash val="solid"/>
+                      <a:round/>
+                      <a:headEnd type="none" w="med" len="med"/>
+                      <a:tailEnd type="none" w="med" len="med"/>
+                    </a:lnL>
+                    <a:lnR w="3175" cap="flat" cmpd="sng" algn="ctr">
+                      <a:solidFill>
+                        <a:schemeClr val="tx1"/>
+                      </a:solidFill>
+                      <a:prstDash val="solid"/>
+                      <a:round/>
+                      <a:headEnd type="none" w="med" len="med"/>
+                      <a:tailEnd type="none" w="med" len="med"/>
+                    </a:lnR>
+                    <a:lnT w="3175" cap="flat" cmpd="sng" algn="ctr">
+                      <a:solidFill>
+                        <a:schemeClr val="tx1"/>
+                      </a:solidFill>
+                      <a:prstDash val="solid"/>
+                      <a:round/>
+                      <a:headEnd type="none" w="med" len="med"/>
+                      <a:tailEnd type="none" w="med" len="med"/>
+                    </a:lnT>
+                    <a:lnB w="3175" cap="flat" cmpd="sng" algn="ctr">
+                      <a:solidFill>
+                        <a:schemeClr val="tx1"/>
+                      </a:solidFill>
+                      <a:prstDash val="solid"/>
+                      <a:round/>
+                      <a:headEnd type="none" w="med" len="med"/>
+                      <a:tailEnd type="none" w="med" len="med"/>
+                    </a:lnB>
+                    <a:noFill/>
+                  </a:tcPr>
+                </a:tc>
+                <a:tc>
+                  <a:txBody>
+                    <a:bodyPr/>
+                    <a:lstStyle/>
+                    <a:p>
+                      <a:r>
+                        <a:rPr lang="en-IN" sz="1200" dirty="0">
+                          <a:solidFill>
+                            <a:sysClr val="windowText" lastClr="000000"/>
+                          </a:solidFill>
+                          <a:latin typeface="Times New Roman" panose="02020603050405020304" pitchFamily="18" charset="0"/>
+                          <a:cs typeface="Times New Roman" panose="02020603050405020304" pitchFamily="18" charset="0"/>
+                        </a:rPr>
                         <a:t>30</a:t>
                       </a:r>
-                      <a:endParaRPr lang="en-IN" dirty="0"/>
-                    </a:p>
-                  </a:txBody>
-                  <a:tcPr/>
-                </a:tc>
-                <a:tc>
-                  <a:txBody>
-                    <a:bodyPr/>
-                    <a:lstStyle/>
-                    <a:p>
-                      <a:r>
-                        <a:rPr lang="en-IN" dirty="0"/>
+                    </a:p>
+                  </a:txBody>
+                  <a:tcPr>
+                    <a:lnL w="3175" cap="flat" cmpd="sng" algn="ctr">
+                      <a:solidFill>
+                        <a:schemeClr val="tx1"/>
+                      </a:solidFill>
+                      <a:prstDash val="solid"/>
+                      <a:round/>
+                      <a:headEnd type="none" w="med" len="med"/>
+                      <a:tailEnd type="none" w="med" len="med"/>
+                    </a:lnL>
+                    <a:lnR w="3175" cap="flat" cmpd="sng" algn="ctr">
+                      <a:solidFill>
+                        <a:schemeClr val="tx1"/>
+                      </a:solidFill>
+                      <a:prstDash val="solid"/>
+                      <a:round/>
+                      <a:headEnd type="none" w="med" len="med"/>
+                      <a:tailEnd type="none" w="med" len="med"/>
+                    </a:lnR>
+                    <a:lnT w="3175" cap="flat" cmpd="sng" algn="ctr">
+                      <a:solidFill>
+                        <a:schemeClr val="tx1"/>
+                      </a:solidFill>
+                      <a:prstDash val="solid"/>
+                      <a:round/>
+                      <a:headEnd type="none" w="med" len="med"/>
+                      <a:tailEnd type="none" w="med" len="med"/>
+                    </a:lnT>
+                    <a:lnB w="3175" cap="flat" cmpd="sng" algn="ctr">
+                      <a:solidFill>
+                        <a:schemeClr val="tx1"/>
+                      </a:solidFill>
+                      <a:prstDash val="solid"/>
+                      <a:round/>
+                      <a:headEnd type="none" w="med" len="med"/>
+                      <a:tailEnd type="none" w="med" len="med"/>
+                    </a:lnB>
+                    <a:noFill/>
+                  </a:tcPr>
+                </a:tc>
+                <a:tc>
+                  <a:txBody>
+                    <a:bodyPr/>
+                    <a:lstStyle/>
+                    <a:p>
+                      <a:r>
+                        <a:rPr lang="en-IN" sz="1200" dirty="0">
+                          <a:solidFill>
+                            <a:sysClr val="windowText" lastClr="000000"/>
+                          </a:solidFill>
+                          <a:latin typeface="Times New Roman" panose="02020603050405020304" pitchFamily="18" charset="0"/>
+                          <a:cs typeface="Times New Roman" panose="02020603050405020304" pitchFamily="18" charset="0"/>
+                        </a:rPr>
                         <a:t>Not null</a:t>
                       </a:r>
-                      <a:endParaRPr lang="en-IN" dirty="0"/>
-                    </a:p>
-                  </a:txBody>
-                  <a:tcPr/>
+                    </a:p>
+                  </a:txBody>
+                  <a:tcPr>
+                    <a:lnL w="3175" cap="flat" cmpd="sng" algn="ctr">
+                      <a:solidFill>
+                        <a:schemeClr val="tx1"/>
+                      </a:solidFill>
+                      <a:prstDash val="solid"/>
+                      <a:round/>
+                      <a:headEnd type="none" w="med" len="med"/>
+                      <a:tailEnd type="none" w="med" len="med"/>
+                    </a:lnL>
+                    <a:lnR w="3175" cap="flat" cmpd="sng" algn="ctr">
+                      <a:solidFill>
+                        <a:schemeClr val="tx1"/>
+                      </a:solidFill>
+                      <a:prstDash val="solid"/>
+                      <a:round/>
+                      <a:headEnd type="none" w="med" len="med"/>
+                      <a:tailEnd type="none" w="med" len="med"/>
+                    </a:lnR>
+                    <a:lnT w="3175" cap="flat" cmpd="sng" algn="ctr">
+                      <a:solidFill>
+                        <a:schemeClr val="tx1"/>
+                      </a:solidFill>
+                      <a:prstDash val="solid"/>
+                      <a:round/>
+                      <a:headEnd type="none" w="med" len="med"/>
+                      <a:tailEnd type="none" w="med" len="med"/>
+                    </a:lnT>
+                    <a:lnB w="3175" cap="flat" cmpd="sng" algn="ctr">
+                      <a:solidFill>
+                        <a:schemeClr val="tx1"/>
+                      </a:solidFill>
+                      <a:prstDash val="solid"/>
+                      <a:round/>
+                      <a:headEnd type="none" w="med" len="med"/>
+                      <a:tailEnd type="none" w="med" len="med"/>
+                    </a:lnB>
+                    <a:noFill/>
+                  </a:tcPr>
                 </a:tc>
               </a:tr>
               <a:tr h="370840">
@@ -7123,55 +8159,234 @@
                     <a:lstStyle/>
                     <a:p>
                       <a:r>
-                        <a:rPr lang="en-IN" dirty="0"/>
+                        <a:rPr lang="en-IN" sz="1200" dirty="0">
+                          <a:solidFill>
+                            <a:sysClr val="windowText" lastClr="000000"/>
+                          </a:solidFill>
+                          <a:latin typeface="Times New Roman" panose="02020603050405020304" pitchFamily="18" charset="0"/>
+                          <a:cs typeface="Times New Roman" panose="02020603050405020304" pitchFamily="18" charset="0"/>
+                        </a:rPr>
                         <a:t>Mobile no</a:t>
                       </a:r>
-                      <a:endParaRPr lang="en-IN" dirty="0"/>
-                    </a:p>
-                  </a:txBody>
-                  <a:tcPr/>
-                </a:tc>
-                <a:tc>
-                  <a:txBody>
-                    <a:bodyPr/>
-                    <a:lstStyle/>
-                    <a:p>
-                      <a:r>
-                        <a:rPr lang="en-IN" dirty="0" err="1"/>
+                    </a:p>
+                  </a:txBody>
+                  <a:tcPr>
+                    <a:lnL w="3175" cap="flat" cmpd="sng" algn="ctr">
+                      <a:solidFill>
+                        <a:schemeClr val="tx1"/>
+                      </a:solidFill>
+                      <a:prstDash val="solid"/>
+                      <a:round/>
+                      <a:headEnd type="none" w="med" len="med"/>
+                      <a:tailEnd type="none" w="med" len="med"/>
+                    </a:lnL>
+                    <a:lnR w="3175" cap="flat" cmpd="sng" algn="ctr">
+                      <a:solidFill>
+                        <a:schemeClr val="tx1"/>
+                      </a:solidFill>
+                      <a:prstDash val="solid"/>
+                      <a:round/>
+                      <a:headEnd type="none" w="med" len="med"/>
+                      <a:tailEnd type="none" w="med" len="med"/>
+                    </a:lnR>
+                    <a:lnT w="3175" cap="flat" cmpd="sng" algn="ctr">
+                      <a:solidFill>
+                        <a:schemeClr val="tx1"/>
+                      </a:solidFill>
+                      <a:prstDash val="solid"/>
+                      <a:round/>
+                      <a:headEnd type="none" w="med" len="med"/>
+                      <a:tailEnd type="none" w="med" len="med"/>
+                    </a:lnT>
+                    <a:lnB w="3175" cap="flat" cmpd="sng" algn="ctr">
+                      <a:solidFill>
+                        <a:schemeClr val="tx1"/>
+                      </a:solidFill>
+                      <a:prstDash val="solid"/>
+                      <a:round/>
+                      <a:headEnd type="none" w="med" len="med"/>
+                      <a:tailEnd type="none" w="med" len="med"/>
+                    </a:lnB>
+                    <a:noFill/>
+                  </a:tcPr>
+                </a:tc>
+                <a:tc>
+                  <a:txBody>
+                    <a:bodyPr/>
+                    <a:lstStyle/>
+                    <a:p>
+                      <a:r>
+                        <a:rPr lang="en-IN" sz="1200" dirty="0" err="1">
+                          <a:solidFill>
+                            <a:sysClr val="windowText" lastClr="000000"/>
+                          </a:solidFill>
+                          <a:latin typeface="Times New Roman" panose="02020603050405020304" pitchFamily="18" charset="0"/>
+                          <a:cs typeface="Times New Roman" panose="02020603050405020304" pitchFamily="18" charset="0"/>
+                        </a:rPr>
                         <a:t>Int</a:t>
                       </a:r>
-                      <a:endParaRPr lang="en-IN" dirty="0"/>
-                    </a:p>
-                  </a:txBody>
-                  <a:tcPr/>
-                </a:tc>
-                <a:tc>
-                  <a:txBody>
-                    <a:bodyPr/>
-                    <a:lstStyle/>
-                    <a:p>
-                      <a:r>
-                        <a:rPr lang="en-IN" dirty="0"/>
+                      <a:endParaRPr lang="en-IN" sz="1200" dirty="0">
+                        <a:solidFill>
+                          <a:sysClr val="windowText" lastClr="000000"/>
+                        </a:solidFill>
+                        <a:latin typeface="Times New Roman" panose="02020603050405020304" pitchFamily="18" charset="0"/>
+                        <a:cs typeface="Times New Roman" panose="02020603050405020304" pitchFamily="18" charset="0"/>
+                      </a:endParaRPr>
+                    </a:p>
+                  </a:txBody>
+                  <a:tcPr>
+                    <a:lnL w="3175" cap="flat" cmpd="sng" algn="ctr">
+                      <a:solidFill>
+                        <a:schemeClr val="tx1"/>
+                      </a:solidFill>
+                      <a:prstDash val="solid"/>
+                      <a:round/>
+                      <a:headEnd type="none" w="med" len="med"/>
+                      <a:tailEnd type="none" w="med" len="med"/>
+                    </a:lnL>
+                    <a:lnR w="3175" cap="flat" cmpd="sng" algn="ctr">
+                      <a:solidFill>
+                        <a:schemeClr val="tx1"/>
+                      </a:solidFill>
+                      <a:prstDash val="solid"/>
+                      <a:round/>
+                      <a:headEnd type="none" w="med" len="med"/>
+                      <a:tailEnd type="none" w="med" len="med"/>
+                    </a:lnR>
+                    <a:lnT w="3175" cap="flat" cmpd="sng" algn="ctr">
+                      <a:solidFill>
+                        <a:schemeClr val="tx1"/>
+                      </a:solidFill>
+                      <a:prstDash val="solid"/>
+                      <a:round/>
+                      <a:headEnd type="none" w="med" len="med"/>
+                      <a:tailEnd type="none" w="med" len="med"/>
+                    </a:lnT>
+                    <a:lnB w="3175" cap="flat" cmpd="sng" algn="ctr">
+                      <a:solidFill>
+                        <a:schemeClr val="tx1"/>
+                      </a:solidFill>
+                      <a:prstDash val="solid"/>
+                      <a:round/>
+                      <a:headEnd type="none" w="med" len="med"/>
+                      <a:tailEnd type="none" w="med" len="med"/>
+                    </a:lnB>
+                    <a:noFill/>
+                  </a:tcPr>
+                </a:tc>
+                <a:tc>
+                  <a:txBody>
+                    <a:bodyPr/>
+                    <a:lstStyle/>
+                    <a:p>
+                      <a:r>
+                        <a:rPr lang="en-IN" sz="1200" dirty="0">
+                          <a:solidFill>
+                            <a:sysClr val="windowText" lastClr="000000"/>
+                          </a:solidFill>
+                          <a:latin typeface="Times New Roman" panose="02020603050405020304" pitchFamily="18" charset="0"/>
+                          <a:cs typeface="Times New Roman" panose="02020603050405020304" pitchFamily="18" charset="0"/>
+                        </a:rPr>
                         <a:t>10</a:t>
                       </a:r>
-                      <a:endParaRPr lang="en-IN" dirty="0"/>
-                    </a:p>
-                  </a:txBody>
-                  <a:tcPr/>
-                </a:tc>
-                <a:tc>
-                  <a:txBody>
-                    <a:bodyPr/>
-                    <a:lstStyle/>
-                    <a:p>
-                      <a:r>
-                        <a:rPr lang="en-IN" dirty="0"/>
+                    </a:p>
+                  </a:txBody>
+                  <a:tcPr>
+                    <a:lnL w="3175" cap="flat" cmpd="sng" algn="ctr">
+                      <a:solidFill>
+                        <a:schemeClr val="tx1"/>
+                      </a:solidFill>
+                      <a:prstDash val="solid"/>
+                      <a:round/>
+                      <a:headEnd type="none" w="med" len="med"/>
+                      <a:tailEnd type="none" w="med" len="med"/>
+                    </a:lnL>
+                    <a:lnR w="3175" cap="flat" cmpd="sng" algn="ctr">
+                      <a:solidFill>
+                        <a:schemeClr val="tx1"/>
+                      </a:solidFill>
+                      <a:prstDash val="solid"/>
+                      <a:round/>
+                      <a:headEnd type="none" w="med" len="med"/>
+                      <a:tailEnd type="none" w="med" len="med"/>
+                    </a:lnR>
+                    <a:lnT w="3175" cap="flat" cmpd="sng" algn="ctr">
+                      <a:solidFill>
+                        <a:schemeClr val="tx1"/>
+                      </a:solidFill>
+                      <a:prstDash val="solid"/>
+                      <a:round/>
+                      <a:headEnd type="none" w="med" len="med"/>
+                      <a:tailEnd type="none" w="med" len="med"/>
+                    </a:lnT>
+                    <a:lnB w="3175" cap="flat" cmpd="sng" algn="ctr">
+                      <a:solidFill>
+                        <a:schemeClr val="tx1"/>
+                      </a:solidFill>
+                      <a:prstDash val="solid"/>
+                      <a:round/>
+                      <a:headEnd type="none" w="med" len="med"/>
+                      <a:tailEnd type="none" w="med" len="med"/>
+                    </a:lnB>
+                    <a:noFill/>
+                  </a:tcPr>
+                </a:tc>
+                <a:tc>
+                  <a:txBody>
+                    <a:bodyPr/>
+                    <a:lstStyle/>
+                    <a:p>
+                      <a:r>
+                        <a:rPr lang="en-IN" sz="1200" dirty="0">
+                          <a:solidFill>
+                            <a:sysClr val="windowText" lastClr="000000"/>
+                          </a:solidFill>
+                          <a:latin typeface="Times New Roman" panose="02020603050405020304" pitchFamily="18" charset="0"/>
+                          <a:cs typeface="Times New Roman" panose="02020603050405020304" pitchFamily="18" charset="0"/>
+                        </a:rPr>
                         <a:t>Not null</a:t>
                       </a:r>
-                      <a:endParaRPr lang="en-IN" dirty="0"/>
-                    </a:p>
-                  </a:txBody>
-                  <a:tcPr/>
+                    </a:p>
+                  </a:txBody>
+                  <a:tcPr>
+                    <a:lnL w="3175" cap="flat" cmpd="sng" algn="ctr">
+                      <a:solidFill>
+                        <a:schemeClr val="tx1"/>
+                      </a:solidFill>
+                      <a:prstDash val="solid"/>
+                      <a:round/>
+                      <a:headEnd type="none" w="med" len="med"/>
+                      <a:tailEnd type="none" w="med" len="med"/>
+                    </a:lnL>
+                    <a:lnR w="3175" cap="flat" cmpd="sng" algn="ctr">
+                      <a:solidFill>
+                        <a:schemeClr val="tx1"/>
+                      </a:solidFill>
+                      <a:prstDash val="solid"/>
+                      <a:round/>
+                      <a:headEnd type="none" w="med" len="med"/>
+                      <a:tailEnd type="none" w="med" len="med"/>
+                    </a:lnR>
+                    <a:lnT w="3175" cap="flat" cmpd="sng" algn="ctr">
+                      <a:solidFill>
+                        <a:schemeClr val="tx1"/>
+                      </a:solidFill>
+                      <a:prstDash val="solid"/>
+                      <a:round/>
+                      <a:headEnd type="none" w="med" len="med"/>
+                      <a:tailEnd type="none" w="med" len="med"/>
+                    </a:lnT>
+                    <a:lnB w="3175" cap="flat" cmpd="sng" algn="ctr">
+                      <a:solidFill>
+                        <a:schemeClr val="tx1"/>
+                      </a:solidFill>
+                      <a:prstDash val="solid"/>
+                      <a:round/>
+                      <a:headEnd type="none" w="med" len="med"/>
+                      <a:tailEnd type="none" w="med" len="med"/>
+                    </a:lnB>
+                    <a:noFill/>
+                  </a:tcPr>
                 </a:tc>
               </a:tr>
             </a:tbl>
@@ -7246,7 +8461,6 @@
               <a:rPr lang="en-IN" dirty="0"/>
               <a:t>TABLE NAME:  Car</a:t>
             </a:r>
-            <a:endParaRPr lang="en-IN" dirty="0"/>
           </a:p>
           <a:p>
             <a:pPr marL="0" indent="0">
@@ -7266,7 +8480,7 @@
         </p:nvGraphicFramePr>
         <p:xfrm>
           <a:off x="1024570" y="965364"/>
-          <a:ext cx="8738825" cy="5792443"/>
+          <a:ext cx="8738825" cy="3572483"/>
         </p:xfrm>
         <a:graphic>
           <a:graphicData uri="http://schemas.openxmlformats.org/drawingml/2006/table">
@@ -7290,7 +8504,6 @@
                         <a:rPr lang="en-IN" dirty="0"/>
                         <a:t>FIELD</a:t>
                       </a:r>
-                      <a:endParaRPr lang="en-IN" dirty="0"/>
                     </a:p>
                   </a:txBody>
                   <a:tcPr/>
@@ -7304,7 +8517,6 @@
                         <a:rPr lang="en-IN" dirty="0"/>
                         <a:t>DATA TYPE</a:t>
                       </a:r>
-                      <a:endParaRPr lang="en-IN" dirty="0"/>
                     </a:p>
                   </a:txBody>
                   <a:tcPr/>
@@ -7318,7 +8530,6 @@
                         <a:rPr lang="en-IN" dirty="0"/>
                         <a:t>SIZE</a:t>
                       </a:r>
-                      <a:endParaRPr lang="en-IN" dirty="0"/>
                     </a:p>
                   </a:txBody>
                   <a:tcPr/>
@@ -7332,7 +8543,6 @@
                         <a:rPr lang="en-IN" dirty="0"/>
                         <a:t>CONSTRAINT</a:t>
                       </a:r>
-                      <a:endParaRPr lang="en-IN" dirty="0"/>
                     </a:p>
                   </a:txBody>
                   <a:tcPr/>
@@ -7348,7 +8558,6 @@
                         <a:rPr lang="en-IN" dirty="0"/>
                         <a:t>car id</a:t>
                       </a:r>
-                      <a:endParaRPr lang="en-IN" dirty="0"/>
                     </a:p>
                   </a:txBody>
                   <a:tcPr/>
@@ -7376,7 +8585,6 @@
                         <a:rPr lang="en-IN" dirty="0"/>
                         <a:t>5</a:t>
                       </a:r>
-                      <a:endParaRPr lang="en-IN" dirty="0"/>
                     </a:p>
                   </a:txBody>
                   <a:tcPr/>
@@ -7410,7 +8618,6 @@
                         <a:rPr lang="en-IN" dirty="0"/>
                         <a:t>Name</a:t>
                       </a:r>
-                      <a:endParaRPr lang="en-IN" dirty="0"/>
                     </a:p>
                   </a:txBody>
                   <a:tcPr/>
@@ -7438,7 +8645,6 @@
                         <a:rPr lang="en-IN" dirty="0"/>
                         <a:t>30</a:t>
                       </a:r>
-                      <a:endParaRPr lang="en-IN" dirty="0"/>
                     </a:p>
                   </a:txBody>
                   <a:tcPr/>
@@ -7452,7 +8658,6 @@
                         <a:rPr lang="en-IN" dirty="0"/>
                         <a:t>Not null</a:t>
                       </a:r>
-                      <a:endParaRPr lang="en-IN" dirty="0"/>
                     </a:p>
                   </a:txBody>
                   <a:tcPr/>
@@ -7468,7 +8673,6 @@
                         <a:rPr lang="en-IN" dirty="0"/>
                         <a:t>Model</a:t>
                       </a:r>
-                      <a:endParaRPr lang="en-IN" dirty="0"/>
                     </a:p>
                   </a:txBody>
                   <a:tcPr/>
@@ -7512,7 +8716,6 @@
                         <a:rPr lang="en-IN" dirty="0"/>
                         <a:t>30</a:t>
                       </a:r>
-                      <a:endParaRPr lang="en-IN" dirty="0"/>
                     </a:p>
                   </a:txBody>
                   <a:tcPr/>
@@ -7542,7 +8745,6 @@
                         <a:rPr lang="en-IN" dirty="0"/>
                         <a:t>Not null</a:t>
                       </a:r>
-                      <a:endParaRPr lang="en-IN" dirty="0"/>
                     </a:p>
                   </a:txBody>
                   <a:tcPr/>
@@ -7558,7 +8760,6 @@
                         <a:rPr lang="en-IN" dirty="0"/>
                         <a:t>Engine</a:t>
                       </a:r>
-                      <a:endParaRPr lang="en-IN" dirty="0"/>
                     </a:p>
                   </a:txBody>
                   <a:tcPr/>
@@ -7572,7 +8773,6 @@
                         <a:rPr lang="en-IN" dirty="0"/>
                         <a:t>Varchar</a:t>
                       </a:r>
-                      <a:endParaRPr lang="en-IN" dirty="0"/>
                     </a:p>
                   </a:txBody>
                   <a:tcPr/>
@@ -7586,7 +8786,6 @@
                         <a:rPr lang="en-IN" dirty="0"/>
                         <a:t>30</a:t>
                       </a:r>
-                      <a:endParaRPr lang="en-IN" dirty="0"/>
                     </a:p>
                   </a:txBody>
                   <a:tcPr/>
@@ -7616,7 +8815,6 @@
                         <a:rPr lang="en-IN" dirty="0"/>
                         <a:t>Not null</a:t>
                       </a:r>
-                      <a:endParaRPr lang="en-IN" dirty="0"/>
                     </a:p>
                   </a:txBody>
                   <a:tcPr/>
@@ -7632,7 +8830,6 @@
                         <a:rPr lang="en-IN" dirty="0"/>
                         <a:t>Width</a:t>
                       </a:r>
-                      <a:endParaRPr lang="en-IN" dirty="0"/>
                     </a:p>
                   </a:txBody>
                   <a:tcPr/>
@@ -7660,7 +8857,6 @@
                         <a:rPr lang="en-IN" dirty="0"/>
                         <a:t>30</a:t>
                       </a:r>
-                      <a:endParaRPr lang="en-IN" dirty="0"/>
                     </a:p>
                   </a:txBody>
                   <a:tcPr/>
@@ -7690,7 +8886,6 @@
                         <a:rPr lang="en-IN" dirty="0"/>
                         <a:t>Not null</a:t>
                       </a:r>
-                      <a:endParaRPr lang="en-IN" dirty="0"/>
                     </a:p>
                   </a:txBody>
                   <a:tcPr/>
@@ -7706,7 +8901,6 @@
                         <a:rPr lang="en-IN" dirty="0"/>
                         <a:t>Height</a:t>
                       </a:r>
-                      <a:endParaRPr lang="en-IN" dirty="0"/>
                     </a:p>
                   </a:txBody>
                   <a:tcPr/>
@@ -7734,7 +8928,6 @@
                         <a:rPr lang="en-IN" dirty="0"/>
                         <a:t>30</a:t>
                       </a:r>
-                      <a:endParaRPr lang="en-IN" dirty="0"/>
                     </a:p>
                   </a:txBody>
                   <a:tcPr/>
@@ -7764,7 +8957,6 @@
                         <a:rPr lang="en-IN" dirty="0"/>
                         <a:t>Not null</a:t>
                       </a:r>
-                      <a:endParaRPr lang="en-IN" dirty="0"/>
                     </a:p>
                   </a:txBody>
                   <a:tcPr/>
@@ -7780,7 +8972,6 @@
                         <a:rPr lang="en-IN" dirty="0"/>
                         <a:t>Price</a:t>
                       </a:r>
-                      <a:endParaRPr lang="en-IN" dirty="0"/>
                     </a:p>
                   </a:txBody>
                   <a:tcPr/>
@@ -7808,7 +8999,6 @@
                         <a:rPr lang="en-IN" dirty="0"/>
                         <a:t>10</a:t>
                       </a:r>
-                      <a:endParaRPr lang="en-IN" dirty="0"/>
                     </a:p>
                   </a:txBody>
                   <a:tcPr/>
@@ -7838,7 +9028,6 @@
                         <a:rPr lang="en-IN" dirty="0"/>
                         <a:t>Not null</a:t>
                       </a:r>
-                      <a:endParaRPr lang="en-IN" dirty="0"/>
                     </a:p>
                   </a:txBody>
                   <a:tcPr/>
@@ -7854,7 +9043,6 @@
                         <a:rPr lang="en-IN" dirty="0"/>
                         <a:t>Year</a:t>
                       </a:r>
-                      <a:endParaRPr lang="en-IN" dirty="0"/>
                     </a:p>
                   </a:txBody>
                   <a:tcPr/>
@@ -7882,7 +9070,6 @@
                         <a:rPr lang="en-IN" dirty="0"/>
                         <a:t>10</a:t>
                       </a:r>
-                      <a:endParaRPr lang="en-IN" dirty="0"/>
                     </a:p>
                   </a:txBody>
                   <a:tcPr/>
@@ -7912,7 +9099,6 @@
                         <a:rPr lang="en-IN" dirty="0"/>
                         <a:t>Not null</a:t>
                       </a:r>
-                      <a:endParaRPr lang="en-IN" dirty="0"/>
                     </a:p>
                   </a:txBody>
                   <a:tcPr/>
@@ -7971,7 +9157,6 @@
               <a:rPr lang="en-IN" dirty="0"/>
               <a:t>TABLE NAME:  Booking</a:t>
             </a:r>
-            <a:endParaRPr lang="en-IN" dirty="0"/>
           </a:p>
           <a:p>
             <a:pPr marL="0" indent="0">
@@ -7991,7 +9176,7 @@
         </p:nvGraphicFramePr>
         <p:xfrm>
           <a:off x="826263" y="2162928"/>
-          <a:ext cx="9683828" cy="4990644"/>
+          <a:ext cx="9683828" cy="3327096"/>
         </p:xfrm>
         <a:graphic>
           <a:graphicData uri="http://schemas.openxmlformats.org/drawingml/2006/table">
@@ -8015,7 +9200,6 @@
                         <a:rPr lang="en-IN" dirty="0"/>
                         <a:t>FIELD</a:t>
                       </a:r>
-                      <a:endParaRPr lang="en-IN" dirty="0"/>
                     </a:p>
                   </a:txBody>
                   <a:tcPr/>
@@ -8029,7 +9213,6 @@
                         <a:rPr lang="en-IN" dirty="0"/>
                         <a:t>DATA TYPE</a:t>
                       </a:r>
-                      <a:endParaRPr lang="en-IN" dirty="0"/>
                     </a:p>
                   </a:txBody>
                   <a:tcPr/>
@@ -8043,7 +9226,6 @@
                         <a:rPr lang="en-IN" dirty="0"/>
                         <a:t>SIZE</a:t>
                       </a:r>
-                      <a:endParaRPr lang="en-IN" dirty="0"/>
                     </a:p>
                   </a:txBody>
                   <a:tcPr/>
@@ -8057,7 +9239,6 @@
                         <a:rPr lang="en-IN" dirty="0"/>
                         <a:t>CONSTRAINT</a:t>
                       </a:r>
-                      <a:endParaRPr lang="en-IN" dirty="0"/>
                     </a:p>
                   </a:txBody>
                   <a:tcPr/>
@@ -8073,7 +9254,6 @@
                         <a:rPr lang="en-IN" dirty="0"/>
                         <a:t>Booking id</a:t>
                       </a:r>
-                      <a:endParaRPr lang="en-IN" dirty="0"/>
                     </a:p>
                   </a:txBody>
                   <a:tcPr/>
@@ -8101,7 +9281,6 @@
                         <a:rPr lang="en-IN" dirty="0"/>
                         <a:t>10</a:t>
                       </a:r>
-                      <a:endParaRPr lang="en-IN" dirty="0"/>
                     </a:p>
                   </a:txBody>
                   <a:tcPr/>
@@ -8115,7 +9294,6 @@
                         <a:rPr lang="en-IN" dirty="0"/>
                         <a:t>Primary Key</a:t>
                       </a:r>
-                      <a:endParaRPr lang="en-IN" dirty="0"/>
                     </a:p>
                   </a:txBody>
                   <a:tcPr/>
@@ -8131,7 +9309,6 @@
                         <a:rPr lang="en-IN" dirty="0"/>
                         <a:t>Customer id</a:t>
                       </a:r>
-                      <a:endParaRPr lang="en-IN" dirty="0"/>
                     </a:p>
                   </a:txBody>
                   <a:tcPr/>
@@ -8159,7 +9336,6 @@
                         <a:rPr lang="en-IN" dirty="0"/>
                         <a:t>10</a:t>
                       </a:r>
-                      <a:endParaRPr lang="en-IN" dirty="0"/>
                     </a:p>
                   </a:txBody>
                   <a:tcPr/>
@@ -8189,7 +9365,6 @@
                         <a:rPr lang="en-IN" dirty="0"/>
                         <a:t>Foreign Key</a:t>
                       </a:r>
-                      <a:endParaRPr lang="en-IN" dirty="0"/>
                     </a:p>
                   </a:txBody>
                   <a:tcPr/>
@@ -8205,7 +9380,6 @@
                         <a:rPr lang="en-IN" dirty="0"/>
                         <a:t>Car Id</a:t>
                       </a:r>
-                      <a:endParaRPr lang="en-IN" dirty="0"/>
                     </a:p>
                   </a:txBody>
                   <a:tcPr/>
@@ -8233,7 +9407,6 @@
                         <a:rPr lang="en-IN" dirty="0"/>
                         <a:t>10</a:t>
                       </a:r>
-                      <a:endParaRPr lang="en-IN" dirty="0"/>
                     </a:p>
                   </a:txBody>
                   <a:tcPr/>
@@ -8263,7 +9436,6 @@
                         <a:rPr lang="en-IN" dirty="0"/>
                         <a:t>Foreign Key</a:t>
                       </a:r>
-                      <a:endParaRPr lang="en-IN" dirty="0"/>
                     </a:p>
                   </a:txBody>
                   <a:tcPr/>
@@ -8279,7 +9451,6 @@
                         <a:rPr lang="en-IN" dirty="0"/>
                         <a:t>Expected</a:t>
                       </a:r>
-                      <a:endParaRPr lang="en-IN" dirty="0"/>
                     </a:p>
                   </a:txBody>
                   <a:tcPr/>
@@ -8307,7 +9478,6 @@
                         <a:rPr lang="en-IN" dirty="0"/>
                         <a:t>30</a:t>
                       </a:r>
-                      <a:endParaRPr lang="en-IN" dirty="0"/>
                     </a:p>
                   </a:txBody>
                   <a:tcPr/>
@@ -8357,7 +9527,6 @@
                         <a:rPr lang="en-IN" dirty="0"/>
                         <a:t>Suggestion</a:t>
                       </a:r>
-                      <a:endParaRPr lang="en-IN" dirty="0"/>
                     </a:p>
                   </a:txBody>
                   <a:tcPr/>
@@ -8385,7 +9554,6 @@
                         <a:rPr lang="en-IN" dirty="0"/>
                         <a:t>30</a:t>
                       </a:r>
-                      <a:endParaRPr lang="en-IN" dirty="0"/>
                     </a:p>
                   </a:txBody>
                   <a:tcPr/>
@@ -8497,7 +9665,6 @@
               <a:rPr lang="en-IN" dirty="0"/>
               <a:t>Table name:  payment</a:t>
             </a:r>
-            <a:endParaRPr lang="en-IN" dirty="0"/>
           </a:p>
           <a:p>
             <a:pPr marL="0" indent="0">
@@ -8541,7 +9708,6 @@
                         <a:rPr lang="en-IN" dirty="0"/>
                         <a:t>FIELD</a:t>
                       </a:r>
-                      <a:endParaRPr lang="en-IN" dirty="0"/>
                     </a:p>
                   </a:txBody>
                   <a:tcPr/>
@@ -8573,7 +9739,6 @@
                         <a:rPr lang="en-IN" dirty="0"/>
                         <a:t>SIZE</a:t>
                       </a:r>
-                      <a:endParaRPr lang="en-IN" dirty="0"/>
                     </a:p>
                   </a:txBody>
                   <a:tcPr/>
@@ -8587,7 +9752,6 @@
                         <a:rPr lang="en-IN" dirty="0"/>
                         <a:t>CONSTRAINT</a:t>
                       </a:r>
-                      <a:endParaRPr lang="en-IN" dirty="0"/>
                     </a:p>
                   </a:txBody>
                   <a:tcPr/>
@@ -8635,7 +9799,6 @@
                         <a:rPr lang="en-IN" dirty="0"/>
                         <a:t>5</a:t>
                       </a:r>
-                      <a:endParaRPr lang="en-IN" dirty="0"/>
                     </a:p>
                   </a:txBody>
                   <a:tcPr/>
@@ -8649,7 +9812,6 @@
                         <a:rPr lang="en-IN" dirty="0"/>
                         <a:t>Primary key</a:t>
                       </a:r>
-                      <a:endParaRPr lang="en-IN" dirty="0"/>
                     </a:p>
                   </a:txBody>
                   <a:tcPr/>
@@ -8716,7 +9878,6 @@
                         <a:rPr lang="en-IN" dirty="0"/>
                         <a:t>5</a:t>
                       </a:r>
-                      <a:endParaRPr lang="en-IN" dirty="0"/>
                     </a:p>
                   </a:txBody>
                   <a:tcPr/>
@@ -8801,7 +9962,6 @@
                         <a:rPr lang="en-IN" dirty="0"/>
                         <a:t>5</a:t>
                       </a:r>
-                      <a:endParaRPr lang="en-IN" dirty="0"/>
                     </a:p>
                   </a:txBody>
                   <a:tcPr/>
@@ -8854,7 +10014,6 @@
                         <a:rPr lang="en-IN" dirty="0"/>
                         <a:t>Agent id</a:t>
                       </a:r>
-                      <a:endParaRPr lang="en-IN" dirty="0"/>
                     </a:p>
                   </a:txBody>
                   <a:tcPr/>
@@ -8901,7 +10060,6 @@
                         <a:rPr lang="en-IN" dirty="0"/>
                         <a:t>5</a:t>
                       </a:r>
-                      <a:endParaRPr lang="en-IN" dirty="0"/>
                     </a:p>
                   </a:txBody>
                   <a:tcPr/>
@@ -9005,7 +10163,6 @@
                         <a:rPr lang="en-IN" dirty="0"/>
                         <a:t>7</a:t>
                       </a:r>
-                      <a:endParaRPr lang="en-IN" dirty="0"/>
                     </a:p>
                   </a:txBody>
                   <a:tcPr/>
@@ -9019,7 +10176,6 @@
                         <a:rPr lang="en-IN" dirty="0"/>
                         <a:t>Not null</a:t>
                       </a:r>
-                      <a:endParaRPr lang="en-IN" dirty="0"/>
                     </a:p>
                   </a:txBody>
                   <a:tcPr/>
@@ -9035,7 +10191,6 @@
                         <a:rPr lang="en-IN" dirty="0"/>
                         <a:t>Remaining amount</a:t>
                       </a:r>
-                      <a:endParaRPr lang="en-IN" dirty="0"/>
                     </a:p>
                   </a:txBody>
                   <a:tcPr/>
@@ -9082,7 +10237,6 @@
                         <a:rPr lang="en-IN" dirty="0"/>
                         <a:t>7</a:t>
                       </a:r>
-                      <a:endParaRPr lang="en-IN" dirty="0"/>
                     </a:p>
                   </a:txBody>
                   <a:tcPr/>
@@ -9096,7 +10250,6 @@
                         <a:rPr lang="en-IN" dirty="0"/>
                         <a:t>Not null</a:t>
                       </a:r>
-                      <a:endParaRPr lang="en-IN" dirty="0"/>
                     </a:p>
                   </a:txBody>
                   <a:tcPr/>
@@ -9150,7 +10303,6 @@
               <a:rPr lang="en-US" dirty="0"/>
               <a:t>Thank You</a:t>
             </a:r>
-            <a:endParaRPr lang="en-US" dirty="0"/>
           </a:p>
         </p:txBody>
       </p:sp>
@@ -9217,7 +10369,6 @@
               <a:rPr lang="en-US" dirty="0"/>
               <a:t>ABSTRACT</a:t>
             </a:r>
-            <a:endParaRPr lang="en-US" dirty="0"/>
           </a:p>
         </p:txBody>
       </p:sp>
@@ -9552,6 +10703,14 @@
               </a:rPr>
               <a:t> SOFTWARE SPECIFICATION</a:t>
             </a:r>
+            <a:r>
+              <a:rPr lang="en-US" sz="1800" dirty="0">
+                <a:effectLst/>
+                <a:latin typeface="Times New Roman" panose="02020603050405020304" pitchFamily="18" charset="0"/>
+                <a:ea typeface="Times New Roman" panose="02020603050405020304" pitchFamily="18" charset="0"/>
+              </a:rPr>
+              <a:t/>
+            </a:r>
             <a:br>
               <a:rPr lang="en-US" sz="1800" dirty="0">
                 <a:effectLst/>
@@ -9677,6 +10836,14 @@
               </a:spcAft>
               <a:buNone/>
             </a:pPr>
+            <a:r>
+              <a:rPr lang="en-US" sz="1800" b="1" dirty="0">
+                <a:effectLst/>
+                <a:latin typeface="Times New Roman" panose="02020603050405020304" pitchFamily="18" charset="0"/>
+                <a:ea typeface="Calibri" panose="020F0502020204030204" pitchFamily="34" charset="0"/>
+              </a:rPr>
+              <a:t/>
+            </a:r>
             <a:br>
               <a:rPr lang="en-US" sz="1800" b="1" dirty="0">
                 <a:effectLst/>
@@ -9749,7 +10916,6 @@
               <a:rPr lang="en-US" dirty="0"/>
               <a:t>EXISTING SYSTEM</a:t>
             </a:r>
-            <a:endParaRPr lang="en-US" dirty="0"/>
           </a:p>
         </p:txBody>
       </p:sp>
@@ -9836,10 +11002,6 @@
               </a:rPr>
               <a:t>Its waste of time to visit the show room and collect the information about the car.</a:t>
             </a:r>
-            <a:endParaRPr lang="en-IN" sz="1600" dirty="0">
-              <a:latin typeface="Calibri" panose="020F0502020204030204" pitchFamily="34" charset="0"/>
-              <a:ea typeface="Times New Roman" panose="02020603050405020304" pitchFamily="18" charset="0"/>
-            </a:endParaRPr>
           </a:p>
           <a:p>
             <a:pPr lvl="0">
@@ -9854,10 +11016,6 @@
               </a:rPr>
               <a:t>No way to find new model car.</a:t>
             </a:r>
-            <a:endParaRPr lang="en-IN" sz="1600" dirty="0">
-              <a:latin typeface="Calibri" panose="020F0502020204030204" pitchFamily="34" charset="0"/>
-              <a:ea typeface="Times New Roman" panose="02020603050405020304" pitchFamily="18" charset="0"/>
-            </a:endParaRPr>
           </a:p>
           <a:p>
             <a:pPr lvl="0">
@@ -9872,10 +11030,6 @@
               </a:rPr>
               <a:t>Hard to manage the customer details</a:t>
             </a:r>
-            <a:endParaRPr lang="en-IN" sz="1600" dirty="0">
-              <a:latin typeface="Calibri" panose="020F0502020204030204" pitchFamily="34" charset="0"/>
-              <a:ea typeface="Times New Roman" panose="02020603050405020304" pitchFamily="18" charset="0"/>
-            </a:endParaRPr>
           </a:p>
         </p:txBody>
       </p:sp>
@@ -9923,7 +11077,6 @@
               <a:rPr lang="en-US" dirty="0"/>
               <a:t>PROPOSED SYSTEM</a:t>
             </a:r>
-            <a:endParaRPr lang="en-US" dirty="0"/>
           </a:p>
         </p:txBody>
       </p:sp>
@@ -10008,7 +11161,6 @@
               <a:rPr lang="en-US" sz="1600" dirty="0"/>
               <a:t>Easy to manage the customer details</a:t>
             </a:r>
-            <a:endParaRPr lang="en-US" sz="1600" dirty="0"/>
           </a:p>
           <a:p>
             <a:pPr>
@@ -10022,7 +11174,6 @@
               <a:rPr lang="en-US" sz="1600" dirty="0"/>
               <a:t>Save time &amp; cost</a:t>
             </a:r>
-            <a:endParaRPr lang="en-US" sz="1600" dirty="0"/>
           </a:p>
         </p:txBody>
       </p:sp>
@@ -10070,7 +11221,6 @@
               <a:rPr lang="en-US" dirty="0"/>
               <a:t>Modules</a:t>
             </a:r>
-            <a:endParaRPr lang="en-US" dirty="0"/>
           </a:p>
         </p:txBody>
       </p:sp>
@@ -10102,10 +11252,6 @@
               </a:rPr>
               <a:t>Admin/User Login</a:t>
             </a:r>
-            <a:endParaRPr lang="en-IN" sz="1700" dirty="0">
-              <a:latin typeface="Calibri" panose="020F0502020204030204" pitchFamily="34" charset="0"/>
-              <a:ea typeface="Times New Roman" panose="02020603050405020304" pitchFamily="18" charset="0"/>
-            </a:endParaRPr>
           </a:p>
           <a:p>
             <a:pPr lvl="0">
@@ -10119,10 +11265,6 @@
               </a:rPr>
               <a:t>Add Car Details</a:t>
             </a:r>
-            <a:endParaRPr lang="en-IN" sz="1700" dirty="0">
-              <a:latin typeface="Calibri" panose="020F0502020204030204" pitchFamily="34" charset="0"/>
-              <a:ea typeface="Times New Roman" panose="02020603050405020304" pitchFamily="18" charset="0"/>
-            </a:endParaRPr>
           </a:p>
           <a:p>
             <a:pPr lvl="0">
@@ -10136,10 +11278,6 @@
               </a:rPr>
               <a:t>Car Booking</a:t>
             </a:r>
-            <a:endParaRPr lang="en-IN" sz="1700" dirty="0">
-              <a:latin typeface="Calibri" panose="020F0502020204030204" pitchFamily="34" charset="0"/>
-              <a:ea typeface="Times New Roman" panose="02020603050405020304" pitchFamily="18" charset="0"/>
-            </a:endParaRPr>
           </a:p>
           <a:p>
             <a:pPr lvl="0">
@@ -10153,10 +11291,6 @@
               </a:rPr>
               <a:t>Booking Details</a:t>
             </a:r>
-            <a:endParaRPr lang="en-IN" sz="1700" dirty="0">
-              <a:latin typeface="Calibri" panose="020F0502020204030204" pitchFamily="34" charset="0"/>
-              <a:ea typeface="Times New Roman" panose="02020603050405020304" pitchFamily="18" charset="0"/>
-            </a:endParaRPr>
           </a:p>
           <a:p>
             <a:pPr lvl="0">
@@ -10221,7 +11355,6 @@
               <a:rPr lang="en-US" dirty="0"/>
               <a:t>Modules</a:t>
             </a:r>
-            <a:endParaRPr lang="en-US" dirty="0"/>
           </a:p>
         </p:txBody>
       </p:sp>
@@ -10562,12 +11695,6 @@
               </a:rPr>
               <a:t>This will be giving cumulative report for the show room booking details</a:t>
             </a:r>
-            <a:endParaRPr lang="en-US" sz="1800" dirty="0">
-              <a:effectLst/>
-              <a:latin typeface="Calibri" panose="020F0502020204030204" pitchFamily="34" charset="0"/>
-              <a:ea typeface="Calibri" panose="020F0502020204030204" pitchFamily="34" charset="0"/>
-              <a:cs typeface="Calibri" panose="020F0502020204030204" pitchFamily="34" charset="0"/>
-            </a:endParaRPr>
           </a:p>
           <a:p>
             <a:pPr>
@@ -10853,9 +11980,11 @@
       </a:bgFillStyleLst>
     </a:fmtScheme>
   </a:themeElements>
+  <a:objectDefaults/>
+  <a:extraClrSchemeLst/>
   <a:extLst>
     <a:ext uri="{05A4C25C-085E-4340-85A3-A5531E510DB2}">
-      <thm15:themeFamily xmlns:thm15="http://schemas.microsoft.com/office/thememl/2012/main" name="Office Theme" id="{62F939B6-93AF-4DB8-9C6B-D6C7DFDC589F}" vid="{4A3C46E8-61CC-4603-A589-7422A47A8E4A}"/>
+      <thm15:themeFamily xmlns:thm15="http://schemas.microsoft.com/office/thememl/2012/main" xmlns="" name="Office Theme" id="{62F939B6-93AF-4DB8-9C6B-D6C7DFDC589F}" vid="{4A3C46E8-61CC-4603-A589-7422A47A8E4A}"/>
     </a:ext>
   </a:extLst>
 </a:theme>
